--- a/SEMESTRE3-H3/hito3/PROCESUAL-H3/BASE DE DATOS II.pptx
+++ b/SEMESTRE3-H3/hito3/PROCESUAL-H3/BASE DE DATOS II.pptx
@@ -18,6 +18,8 @@
     <p:sldId id="272" r:id="rId12"/>
     <p:sldId id="268" r:id="rId13"/>
     <p:sldId id="269" r:id="rId14"/>
+    <p:sldId id="274" r:id="rId15"/>
+    <p:sldId id="273" r:id="rId16"/>
   </p:sldIdLst>
   <p:sldSz cx="12192000" cy="6858000"/>
   <p:notesSz cx="6858000" cy="9144000"/>
@@ -116,6 +118,11 @@
       </a:defRPr>
     </a:lvl9pPr>
   </p:defaultTextStyle>
+  <p:extLst>
+    <p:ext uri="{EFAFB233-063F-42B5-8137-9DF3F51BA10A}">
+      <p15:sldGuideLst xmlns:p15="http://schemas.microsoft.com/office/powerpoint/2012/main"/>
+    </p:ext>
+  </p:extLst>
 </p:presentation>
 </file>
 
@@ -6272,6 +6279,2333 @@
 </p:sld>
 </file>
 
+<file path=ppt/slides/slide14.xml><?xml version="1.0" encoding="utf-8"?>
+<p:sld xmlns:a="http://schemas.openxmlformats.org/drawingml/2006/main" xmlns:r="http://schemas.openxmlformats.org/officeDocument/2006/relationships" xmlns:p="http://schemas.openxmlformats.org/presentationml/2006/main">
+  <p:cSld>
+    <p:spTree>
+      <p:nvGrpSpPr>
+        <p:cNvPr id="1" name=""/>
+        <p:cNvGrpSpPr/>
+        <p:nvPr/>
+      </p:nvGrpSpPr>
+      <p:grpSpPr>
+        <a:xfrm>
+          <a:off x="0" y="0"/>
+          <a:ext cx="0" cy="0"/>
+          <a:chOff x="0" y="0"/>
+          <a:chExt cx="0" cy="0"/>
+        </a:xfrm>
+      </p:grpSpPr>
+      <p:sp>
+        <p:nvSpPr>
+          <p:cNvPr id="2" name="Título 1">
+            <a:extLst>
+              <a:ext uri="{FF2B5EF4-FFF2-40B4-BE49-F238E27FC236}">
+                <a16:creationId xmlns:a16="http://schemas.microsoft.com/office/drawing/2014/main" id="{4EA749F1-F55A-4687-8516-F7BF05AFA32A}"/>
+              </a:ext>
+            </a:extLst>
+          </p:cNvPr>
+          <p:cNvSpPr>
+            <a:spLocks noGrp="1"/>
+          </p:cNvSpPr>
+          <p:nvPr>
+            <p:ph type="title"/>
+          </p:nvPr>
+        </p:nvSpPr>
+        <p:spPr>
+          <a:xfrm>
+            <a:off x="436717" y="530087"/>
+            <a:ext cx="10353761" cy="1326321"/>
+          </a:xfrm>
+        </p:spPr>
+        <p:txBody>
+          <a:bodyPr>
+            <a:normAutofit/>
+          </a:bodyPr>
+          <a:lstStyle/>
+          <a:p>
+            <a:pPr algn="l"/>
+            <a:r>
+              <a:rPr lang="es-MX" sz="2000" dirty="0">
+                <a:latin typeface="Arial" panose="020B0604020202020204" pitchFamily="34" charset="0"/>
+                <a:cs typeface="Arial" panose="020B0604020202020204" pitchFamily="34" charset="0"/>
+              </a:rPr>
+              <a:t>1.2.- Crear una función que genere la serie Fibonacci. </a:t>
+            </a:r>
+            <a:br>
+              <a:rPr lang="es-MX" sz="2000" dirty="0">
+                <a:latin typeface="Arial" panose="020B0604020202020204" pitchFamily="34" charset="0"/>
+                <a:cs typeface="Arial" panose="020B0604020202020204" pitchFamily="34" charset="0"/>
+              </a:rPr>
+            </a:br>
+            <a:r>
+              <a:rPr lang="es-MX" sz="2000" dirty="0">
+                <a:latin typeface="Arial" panose="020B0604020202020204" pitchFamily="34" charset="0"/>
+                <a:cs typeface="Arial" panose="020B0604020202020204" pitchFamily="34" charset="0"/>
+              </a:rPr>
+              <a:t>○ La función recibe un límite(</a:t>
+            </a:r>
+            <a:r>
+              <a:rPr lang="es-MX" sz="2000" dirty="0" err="1">
+                <a:latin typeface="Arial" panose="020B0604020202020204" pitchFamily="34" charset="0"/>
+                <a:cs typeface="Arial" panose="020B0604020202020204" pitchFamily="34" charset="0"/>
+              </a:rPr>
+              <a:t>number</a:t>
+            </a:r>
+            <a:r>
+              <a:rPr lang="es-MX" sz="2000" dirty="0">
+                <a:latin typeface="Arial" panose="020B0604020202020204" pitchFamily="34" charset="0"/>
+                <a:cs typeface="Arial" panose="020B0604020202020204" pitchFamily="34" charset="0"/>
+              </a:rPr>
+              <a:t>) </a:t>
+            </a:r>
+            <a:br>
+              <a:rPr lang="es-MX" sz="2000" dirty="0">
+                <a:latin typeface="Arial" panose="020B0604020202020204" pitchFamily="34" charset="0"/>
+                <a:cs typeface="Arial" panose="020B0604020202020204" pitchFamily="34" charset="0"/>
+              </a:rPr>
+            </a:br>
+            <a:r>
+              <a:rPr lang="es-MX" sz="2000" dirty="0">
+                <a:latin typeface="Arial" panose="020B0604020202020204" pitchFamily="34" charset="0"/>
+                <a:cs typeface="Arial" panose="020B0604020202020204" pitchFamily="34" charset="0"/>
+              </a:rPr>
+              <a:t>○ La función debe de retornar una cadena. </a:t>
+            </a:r>
+            <a:br>
+              <a:rPr lang="es-MX" sz="2000" dirty="0">
+                <a:latin typeface="Arial" panose="020B0604020202020204" pitchFamily="34" charset="0"/>
+                <a:cs typeface="Arial" panose="020B0604020202020204" pitchFamily="34" charset="0"/>
+              </a:rPr>
+            </a:br>
+            <a:r>
+              <a:rPr lang="es-MX" sz="2000" dirty="0">
+                <a:latin typeface="Arial" panose="020B0604020202020204" pitchFamily="34" charset="0"/>
+                <a:cs typeface="Arial" panose="020B0604020202020204" pitchFamily="34" charset="0"/>
+              </a:rPr>
+              <a:t>○ Ejemplo para n=7. OUTPUT: 0, 1, 1, 2, 3, 5, 8,</a:t>
+            </a:r>
+            <a:endParaRPr lang="es-BO" sz="2000" dirty="0">
+              <a:latin typeface="Arial" panose="020B0604020202020204" pitchFamily="34" charset="0"/>
+              <a:cs typeface="Arial" panose="020B0604020202020204" pitchFamily="34" charset="0"/>
+            </a:endParaRPr>
+          </a:p>
+        </p:txBody>
+      </p:sp>
+      <p:sp>
+        <p:nvSpPr>
+          <p:cNvPr id="4" name="Rectangle 1">
+            <a:extLst>
+              <a:ext uri="{FF2B5EF4-FFF2-40B4-BE49-F238E27FC236}">
+                <a16:creationId xmlns:a16="http://schemas.microsoft.com/office/drawing/2014/main" id="{6437B6CE-5392-4629-B118-A603416DCCAD}"/>
+              </a:ext>
+            </a:extLst>
+          </p:cNvPr>
+          <p:cNvSpPr>
+            <a:spLocks noChangeArrowheads="1"/>
+          </p:cNvSpPr>
+          <p:nvPr/>
+        </p:nvSpPr>
+        <p:spPr bwMode="auto">
+          <a:xfrm>
+            <a:off x="1894072" y="2281196"/>
+            <a:ext cx="6199051" cy="2554545"/>
+          </a:xfrm>
+          <a:prstGeom prst="rect">
+            <a:avLst/>
+          </a:prstGeom>
+          <a:solidFill>
+            <a:srgbClr val="2B2B2B"/>
+          </a:solidFill>
+          <a:ln>
+            <a:noFill/>
+          </a:ln>
+          <a:effectLst/>
+          <a:extLst>
+            <a:ext uri="{91240B29-F687-4F45-9708-019B960494DF}">
+              <a14:hiddenLine xmlns:a14="http://schemas.microsoft.com/office/drawing/2010/main" w="9525">
+                <a:solidFill>
+                  <a:schemeClr val="tx1"/>
+                </a:solidFill>
+                <a:miter lim="800000"/>
+                <a:headEnd/>
+                <a:tailEnd/>
+              </a14:hiddenLine>
+            </a:ext>
+            <a:ext uri="{AF507438-7753-43E0-B8FC-AC1667EBCBE1}">
+              <a14:hiddenEffects xmlns:a14="http://schemas.microsoft.com/office/drawing/2010/main">
+                <a:effectLst>
+                  <a:outerShdw dist="35921" dir="2700000" algn="ctr" rotWithShape="0">
+                    <a:schemeClr val="bg2"/>
+                  </a:outerShdw>
+                </a:effectLst>
+              </a14:hiddenEffects>
+            </a:ext>
+          </a:extLst>
+        </p:spPr>
+        <p:txBody>
+          <a:bodyPr vert="horz" wrap="square" lIns="91440" tIns="45720" rIns="91440" bIns="45720" numCol="1" anchor="ctr" anchorCtr="0" compatLnSpc="1">
+            <a:prstTxWarp prst="textNoShape">
+              <a:avLst/>
+            </a:prstTxWarp>
+            <a:spAutoFit/>
+          </a:bodyPr>
+          <a:lstStyle/>
+          <a:p>
+            <a:pPr marL="0" marR="0" lvl="0" indent="0" algn="l" defTabSz="914400" rtl="0" eaLnBrk="0" fontAlgn="base" latinLnBrk="0" hangingPunct="0">
+              <a:lnSpc>
+                <a:spcPct val="100000"/>
+              </a:lnSpc>
+              <a:spcBef>
+                <a:spcPct val="0"/>
+              </a:spcBef>
+              <a:spcAft>
+                <a:spcPct val="0"/>
+              </a:spcAft>
+              <a:buClrTx/>
+              <a:buSzTx/>
+              <a:buFontTx/>
+              <a:buNone/>
+              <a:tabLst/>
+            </a:pPr>
+            <a:br>
+              <a:rPr kumimoji="0" lang="es-BO" altLang="es-BO" sz="1600" b="0" i="0" u="none" strike="noStrike" cap="none" normalizeH="0" baseline="0">
+                <a:ln>
+                  <a:noFill/>
+                </a:ln>
+                <a:solidFill>
+                  <a:srgbClr val="A9B7C6"/>
+                </a:solidFill>
+                <a:effectLst/>
+                <a:latin typeface="JetBrains Mono"/>
+              </a:rPr>
+            </a:br>
+            <a:r>
+              <a:rPr kumimoji="0" lang="es-BO" altLang="es-BO" sz="1600" b="0" i="0" u="none" strike="noStrike" cap="none" normalizeH="0" baseline="0">
+                <a:ln>
+                  <a:noFill/>
+                </a:ln>
+                <a:solidFill>
+                  <a:srgbClr val="CC7832"/>
+                </a:solidFill>
+                <a:effectLst/>
+                <a:latin typeface="JetBrains Mono"/>
+              </a:rPr>
+              <a:t>WITH </a:t>
+            </a:r>
+            <a:r>
+              <a:rPr kumimoji="0" lang="es-BO" altLang="es-BO" sz="1600" b="0" i="0" u="none" strike="noStrike" cap="none" normalizeH="0" baseline="0">
+                <a:ln>
+                  <a:noFill/>
+                </a:ln>
+                <a:solidFill>
+                  <a:srgbClr val="A9B7C6"/>
+                </a:solidFill>
+                <a:effectLst/>
+                <a:latin typeface="JetBrains Mono"/>
+              </a:rPr>
+              <a:t>RECURSIVE fibonacci(</a:t>
+            </a:r>
+            <a:r>
+              <a:rPr kumimoji="0" lang="es-BO" altLang="es-BO" sz="1600" b="0" i="0" u="none" strike="noStrike" cap="none" normalizeH="0" baseline="0">
+                <a:ln>
+                  <a:noFill/>
+                </a:ln>
+                <a:solidFill>
+                  <a:srgbClr val="CC7832"/>
+                </a:solidFill>
+                <a:effectLst/>
+                <a:latin typeface="JetBrains Mono"/>
+              </a:rPr>
+              <a:t>n,</a:t>
+            </a:r>
+            <a:r>
+              <a:rPr kumimoji="0" lang="es-BO" altLang="es-BO" sz="1600" b="0" i="0" u="none" strike="noStrike" cap="none" normalizeH="0" baseline="0">
+                <a:ln>
+                  <a:noFill/>
+                </a:ln>
+                <a:solidFill>
+                  <a:srgbClr val="A9B7C6"/>
+                </a:solidFill>
+                <a:effectLst/>
+                <a:latin typeface="JetBrains Mono"/>
+              </a:rPr>
+              <a:t>fib_n</a:t>
+            </a:r>
+            <a:r>
+              <a:rPr kumimoji="0" lang="es-BO" altLang="es-BO" sz="1600" b="0" i="0" u="none" strike="noStrike" cap="none" normalizeH="0" baseline="0">
+                <a:ln>
+                  <a:noFill/>
+                </a:ln>
+                <a:solidFill>
+                  <a:srgbClr val="CC7832"/>
+                </a:solidFill>
+                <a:effectLst/>
+                <a:latin typeface="JetBrains Mono"/>
+              </a:rPr>
+              <a:t>,</a:t>
+            </a:r>
+            <a:r>
+              <a:rPr kumimoji="0" lang="es-BO" altLang="es-BO" sz="1600" b="0" i="0" u="none" strike="noStrike" cap="none" normalizeH="0" baseline="0">
+                <a:ln>
+                  <a:noFill/>
+                </a:ln>
+                <a:solidFill>
+                  <a:srgbClr val="A9B7C6"/>
+                </a:solidFill>
+                <a:effectLst/>
+                <a:latin typeface="JetBrains Mono"/>
+              </a:rPr>
+              <a:t>fib_next)</a:t>
+            </a:r>
+            <a:r>
+              <a:rPr kumimoji="0" lang="es-BO" altLang="es-BO" sz="1600" b="0" i="0" u="none" strike="noStrike" cap="none" normalizeH="0" baseline="0">
+                <a:ln>
+                  <a:noFill/>
+                </a:ln>
+                <a:solidFill>
+                  <a:srgbClr val="CC7832"/>
+                </a:solidFill>
+                <a:effectLst/>
+                <a:latin typeface="JetBrains Mono"/>
+              </a:rPr>
+              <a:t>AS</a:t>
+            </a:r>
+            <a:br>
+              <a:rPr kumimoji="0" lang="es-BO" altLang="es-BO" sz="1600" b="0" i="0" u="none" strike="noStrike" cap="none" normalizeH="0" baseline="0">
+                <a:ln>
+                  <a:noFill/>
+                </a:ln>
+                <a:solidFill>
+                  <a:srgbClr val="CC7832"/>
+                </a:solidFill>
+                <a:effectLst/>
+                <a:latin typeface="JetBrains Mono"/>
+              </a:rPr>
+            </a:br>
+            <a:r>
+              <a:rPr kumimoji="0" lang="es-BO" altLang="es-BO" sz="1600" b="0" i="0" u="none" strike="noStrike" cap="none" normalizeH="0" baseline="0">
+                <a:ln>
+                  <a:noFill/>
+                </a:ln>
+                <a:solidFill>
+                  <a:srgbClr val="CC7832"/>
+                </a:solidFill>
+                <a:effectLst/>
+                <a:latin typeface="JetBrains Mono"/>
+              </a:rPr>
+              <a:t>    </a:t>
+            </a:r>
+            <a:r>
+              <a:rPr kumimoji="0" lang="es-BO" altLang="es-BO" sz="1600" b="0" i="0" u="none" strike="noStrike" cap="none" normalizeH="0" baseline="0">
+                <a:ln>
+                  <a:noFill/>
+                </a:ln>
+                <a:solidFill>
+                  <a:srgbClr val="A9B7C6"/>
+                </a:solidFill>
+                <a:effectLst/>
+                <a:latin typeface="JetBrains Mono"/>
+              </a:rPr>
+              <a:t>(</a:t>
+            </a:r>
+            <a:br>
+              <a:rPr kumimoji="0" lang="es-BO" altLang="es-BO" sz="1600" b="0" i="0" u="none" strike="noStrike" cap="none" normalizeH="0" baseline="0">
+                <a:ln>
+                  <a:noFill/>
+                </a:ln>
+                <a:solidFill>
+                  <a:srgbClr val="A9B7C6"/>
+                </a:solidFill>
+                <a:effectLst/>
+                <a:latin typeface="JetBrains Mono"/>
+              </a:rPr>
+            </a:br>
+            <a:r>
+              <a:rPr kumimoji="0" lang="es-BO" altLang="es-BO" sz="1600" b="0" i="0" u="none" strike="noStrike" cap="none" normalizeH="0" baseline="0">
+                <a:ln>
+                  <a:noFill/>
+                </a:ln>
+                <a:solidFill>
+                  <a:srgbClr val="A9B7C6"/>
+                </a:solidFill>
+                <a:effectLst/>
+                <a:latin typeface="JetBrains Mono"/>
+              </a:rPr>
+              <a:t>        </a:t>
+            </a:r>
+            <a:r>
+              <a:rPr kumimoji="0" lang="es-BO" altLang="es-BO" sz="1600" b="0" i="0" u="none" strike="noStrike" cap="none" normalizeH="0" baseline="0">
+                <a:ln>
+                  <a:noFill/>
+                </a:ln>
+                <a:solidFill>
+                  <a:srgbClr val="CC7832"/>
+                </a:solidFill>
+                <a:effectLst/>
+                <a:latin typeface="JetBrains Mono"/>
+              </a:rPr>
+              <a:t>SELECT </a:t>
+            </a:r>
+            <a:r>
+              <a:rPr kumimoji="0" lang="es-BO" altLang="es-BO" sz="1600" b="0" i="0" u="none" strike="noStrike" cap="none" normalizeH="0" baseline="0">
+                <a:ln>
+                  <a:noFill/>
+                </a:ln>
+                <a:solidFill>
+                  <a:srgbClr val="6897BB"/>
+                </a:solidFill>
+                <a:effectLst/>
+                <a:latin typeface="JetBrains Mono"/>
+              </a:rPr>
+              <a:t>1</a:t>
+            </a:r>
+            <a:r>
+              <a:rPr kumimoji="0" lang="es-BO" altLang="es-BO" sz="1600" b="0" i="0" u="none" strike="noStrike" cap="none" normalizeH="0" baseline="0">
+                <a:ln>
+                  <a:noFill/>
+                </a:ln>
+                <a:solidFill>
+                  <a:srgbClr val="CC7832"/>
+                </a:solidFill>
+                <a:effectLst/>
+                <a:latin typeface="JetBrains Mono"/>
+              </a:rPr>
+              <a:t>,</a:t>
+            </a:r>
+            <a:r>
+              <a:rPr kumimoji="0" lang="es-BO" altLang="es-BO" sz="1600" b="0" i="0" u="none" strike="noStrike" cap="none" normalizeH="0" baseline="0">
+                <a:ln>
+                  <a:noFill/>
+                </a:ln>
+                <a:solidFill>
+                  <a:srgbClr val="6897BB"/>
+                </a:solidFill>
+                <a:effectLst/>
+                <a:latin typeface="JetBrains Mono"/>
+              </a:rPr>
+              <a:t>0</a:t>
+            </a:r>
+            <a:r>
+              <a:rPr kumimoji="0" lang="es-BO" altLang="es-BO" sz="1600" b="0" i="0" u="none" strike="noStrike" cap="none" normalizeH="0" baseline="0">
+                <a:ln>
+                  <a:noFill/>
+                </a:ln>
+                <a:solidFill>
+                  <a:srgbClr val="CC7832"/>
+                </a:solidFill>
+                <a:effectLst/>
+                <a:latin typeface="JetBrains Mono"/>
+              </a:rPr>
+              <a:t>,</a:t>
+            </a:r>
+            <a:r>
+              <a:rPr kumimoji="0" lang="es-BO" altLang="es-BO" sz="1600" b="0" i="0" u="none" strike="noStrike" cap="none" normalizeH="0" baseline="0">
+                <a:ln>
+                  <a:noFill/>
+                </a:ln>
+                <a:solidFill>
+                  <a:srgbClr val="6897BB"/>
+                </a:solidFill>
+                <a:effectLst/>
+                <a:latin typeface="JetBrains Mono"/>
+              </a:rPr>
+              <a:t>1</a:t>
+            </a:r>
+            <a:br>
+              <a:rPr kumimoji="0" lang="es-BO" altLang="es-BO" sz="1600" b="0" i="0" u="none" strike="noStrike" cap="none" normalizeH="0" baseline="0">
+                <a:ln>
+                  <a:noFill/>
+                </a:ln>
+                <a:solidFill>
+                  <a:srgbClr val="6897BB"/>
+                </a:solidFill>
+                <a:effectLst/>
+                <a:latin typeface="JetBrains Mono"/>
+              </a:rPr>
+            </a:br>
+            <a:r>
+              <a:rPr kumimoji="0" lang="es-BO" altLang="es-BO" sz="1600" b="0" i="0" u="none" strike="noStrike" cap="none" normalizeH="0" baseline="0">
+                <a:ln>
+                  <a:noFill/>
+                </a:ln>
+                <a:solidFill>
+                  <a:srgbClr val="6897BB"/>
+                </a:solidFill>
+                <a:effectLst/>
+                <a:latin typeface="JetBrains Mono"/>
+              </a:rPr>
+              <a:t>        </a:t>
+            </a:r>
+            <a:r>
+              <a:rPr kumimoji="0" lang="es-BO" altLang="es-BO" sz="1600" b="0" i="0" u="none" strike="noStrike" cap="none" normalizeH="0" baseline="0">
+                <a:ln>
+                  <a:noFill/>
+                </a:ln>
+                <a:solidFill>
+                  <a:srgbClr val="CC7832"/>
+                </a:solidFill>
+                <a:effectLst/>
+                <a:latin typeface="JetBrains Mono"/>
+              </a:rPr>
+              <a:t>UNION ALL</a:t>
+            </a:r>
+            <a:br>
+              <a:rPr kumimoji="0" lang="es-BO" altLang="es-BO" sz="1600" b="0" i="0" u="none" strike="noStrike" cap="none" normalizeH="0" baseline="0">
+                <a:ln>
+                  <a:noFill/>
+                </a:ln>
+                <a:solidFill>
+                  <a:srgbClr val="CC7832"/>
+                </a:solidFill>
+                <a:effectLst/>
+                <a:latin typeface="JetBrains Mono"/>
+              </a:rPr>
+            </a:br>
+            <a:r>
+              <a:rPr kumimoji="0" lang="es-BO" altLang="es-BO" sz="1600" b="0" i="0" u="none" strike="noStrike" cap="none" normalizeH="0" baseline="0">
+                <a:ln>
+                  <a:noFill/>
+                </a:ln>
+                <a:solidFill>
+                  <a:srgbClr val="CC7832"/>
+                </a:solidFill>
+                <a:effectLst/>
+                <a:latin typeface="JetBrains Mono"/>
+              </a:rPr>
+              <a:t>        SELECT n </a:t>
+            </a:r>
+            <a:r>
+              <a:rPr kumimoji="0" lang="es-BO" altLang="es-BO" sz="1600" b="0" i="0" u="none" strike="noStrike" cap="none" normalizeH="0" baseline="0">
+                <a:ln>
+                  <a:noFill/>
+                </a:ln>
+                <a:solidFill>
+                  <a:srgbClr val="A9B7C6"/>
+                </a:solidFill>
+                <a:effectLst/>
+                <a:latin typeface="JetBrains Mono"/>
+              </a:rPr>
+              <a:t>+ </a:t>
+            </a:r>
+            <a:r>
+              <a:rPr kumimoji="0" lang="es-BO" altLang="es-BO" sz="1600" b="0" i="0" u="none" strike="noStrike" cap="none" normalizeH="0" baseline="0">
+                <a:ln>
+                  <a:noFill/>
+                </a:ln>
+                <a:solidFill>
+                  <a:srgbClr val="6897BB"/>
+                </a:solidFill>
+                <a:effectLst/>
+                <a:latin typeface="JetBrains Mono"/>
+              </a:rPr>
+              <a:t>1</a:t>
+            </a:r>
+            <a:r>
+              <a:rPr kumimoji="0" lang="es-BO" altLang="es-BO" sz="1600" b="0" i="0" u="none" strike="noStrike" cap="none" normalizeH="0" baseline="0">
+                <a:ln>
+                  <a:noFill/>
+                </a:ln>
+                <a:solidFill>
+                  <a:srgbClr val="CC7832"/>
+                </a:solidFill>
+                <a:effectLst/>
+                <a:latin typeface="JetBrains Mono"/>
+              </a:rPr>
+              <a:t>,</a:t>
+            </a:r>
+            <a:r>
+              <a:rPr kumimoji="0" lang="es-BO" altLang="es-BO" sz="1600" b="0" i="0" u="none" strike="noStrike" cap="none" normalizeH="0" baseline="0">
+                <a:ln>
+                  <a:noFill/>
+                </a:ln>
+                <a:solidFill>
+                  <a:srgbClr val="A9B7C6"/>
+                </a:solidFill>
+                <a:effectLst/>
+                <a:latin typeface="JetBrains Mono"/>
+              </a:rPr>
+              <a:t>fib_next</a:t>
+            </a:r>
+            <a:r>
+              <a:rPr kumimoji="0" lang="es-BO" altLang="es-BO" sz="1600" b="0" i="0" u="none" strike="noStrike" cap="none" normalizeH="0" baseline="0">
+                <a:ln>
+                  <a:noFill/>
+                </a:ln>
+                <a:solidFill>
+                  <a:srgbClr val="CC7832"/>
+                </a:solidFill>
+                <a:effectLst/>
+                <a:latin typeface="JetBrains Mono"/>
+              </a:rPr>
+              <a:t>,</a:t>
+            </a:r>
+            <a:r>
+              <a:rPr kumimoji="0" lang="es-BO" altLang="es-BO" sz="1600" b="0" i="0" u="none" strike="noStrike" cap="none" normalizeH="0" baseline="0">
+                <a:ln>
+                  <a:noFill/>
+                </a:ln>
+                <a:solidFill>
+                  <a:srgbClr val="A9B7C6"/>
+                </a:solidFill>
+                <a:effectLst/>
+                <a:latin typeface="JetBrains Mono"/>
+              </a:rPr>
+              <a:t>fib_n + fib_next</a:t>
+            </a:r>
+            <a:br>
+              <a:rPr kumimoji="0" lang="es-BO" altLang="es-BO" sz="1600" b="0" i="0" u="none" strike="noStrike" cap="none" normalizeH="0" baseline="0">
+                <a:ln>
+                  <a:noFill/>
+                </a:ln>
+                <a:solidFill>
+                  <a:srgbClr val="A9B7C6"/>
+                </a:solidFill>
+                <a:effectLst/>
+                <a:latin typeface="JetBrains Mono"/>
+              </a:rPr>
+            </a:br>
+            <a:r>
+              <a:rPr kumimoji="0" lang="es-BO" altLang="es-BO" sz="1600" b="0" i="0" u="none" strike="noStrike" cap="none" normalizeH="0" baseline="0">
+                <a:ln>
+                  <a:noFill/>
+                </a:ln>
+                <a:solidFill>
+                  <a:srgbClr val="A9B7C6"/>
+                </a:solidFill>
+                <a:effectLst/>
+                <a:latin typeface="JetBrains Mono"/>
+              </a:rPr>
+              <a:t>        </a:t>
+            </a:r>
+            <a:r>
+              <a:rPr kumimoji="0" lang="es-BO" altLang="es-BO" sz="1600" b="0" i="0" u="none" strike="noStrike" cap="none" normalizeH="0" baseline="0">
+                <a:ln>
+                  <a:noFill/>
+                </a:ln>
+                <a:solidFill>
+                  <a:srgbClr val="CC7832"/>
+                </a:solidFill>
+                <a:effectLst/>
+                <a:latin typeface="JetBrains Mono"/>
+              </a:rPr>
+              <a:t>FROM </a:t>
+            </a:r>
+            <a:r>
+              <a:rPr kumimoji="0" lang="es-BO" altLang="es-BO" sz="1600" b="0" i="0" u="none" strike="noStrike" cap="none" normalizeH="0" baseline="0">
+                <a:ln>
+                  <a:noFill/>
+                </a:ln>
+                <a:solidFill>
+                  <a:srgbClr val="A9B7C6"/>
+                </a:solidFill>
+                <a:effectLst/>
+                <a:latin typeface="JetBrains Mono"/>
+              </a:rPr>
+              <a:t>fibonacci </a:t>
+            </a:r>
+            <a:r>
+              <a:rPr kumimoji="0" lang="es-BO" altLang="es-BO" sz="1600" b="0" i="0" u="none" strike="noStrike" cap="none" normalizeH="0" baseline="0">
+                <a:ln>
+                  <a:noFill/>
+                </a:ln>
+                <a:solidFill>
+                  <a:srgbClr val="CC7832"/>
+                </a:solidFill>
+                <a:effectLst/>
+                <a:latin typeface="JetBrains Mono"/>
+              </a:rPr>
+              <a:t>WHERE n </a:t>
+            </a:r>
+            <a:r>
+              <a:rPr kumimoji="0" lang="es-BO" altLang="es-BO" sz="1600" b="0" i="0" u="none" strike="noStrike" cap="none" normalizeH="0" baseline="0">
+                <a:ln>
+                  <a:noFill/>
+                </a:ln>
+                <a:solidFill>
+                  <a:srgbClr val="A9B7C6"/>
+                </a:solidFill>
+                <a:effectLst/>
+                <a:latin typeface="JetBrains Mono"/>
+              </a:rPr>
+              <a:t>&lt; </a:t>
+            </a:r>
+            <a:r>
+              <a:rPr kumimoji="0" lang="es-BO" altLang="es-BO" sz="1600" b="0" i="0" u="none" strike="noStrike" cap="none" normalizeH="0" baseline="0">
+                <a:ln>
+                  <a:noFill/>
+                </a:ln>
+                <a:solidFill>
+                  <a:srgbClr val="6897BB"/>
+                </a:solidFill>
+                <a:effectLst/>
+                <a:latin typeface="JetBrains Mono"/>
+              </a:rPr>
+              <a:t>10</a:t>
+            </a:r>
+            <a:br>
+              <a:rPr kumimoji="0" lang="es-BO" altLang="es-BO" sz="1600" b="0" i="0" u="none" strike="noStrike" cap="none" normalizeH="0" baseline="0">
+                <a:ln>
+                  <a:noFill/>
+                </a:ln>
+                <a:solidFill>
+                  <a:srgbClr val="6897BB"/>
+                </a:solidFill>
+                <a:effectLst/>
+                <a:latin typeface="JetBrains Mono"/>
+              </a:rPr>
+            </a:br>
+            <a:r>
+              <a:rPr kumimoji="0" lang="es-BO" altLang="es-BO" sz="1600" b="0" i="0" u="none" strike="noStrike" cap="none" normalizeH="0" baseline="0">
+                <a:ln>
+                  <a:noFill/>
+                </a:ln>
+                <a:solidFill>
+                  <a:srgbClr val="6897BB"/>
+                </a:solidFill>
+                <a:effectLst/>
+                <a:latin typeface="JetBrains Mono"/>
+              </a:rPr>
+              <a:t>    </a:t>
+            </a:r>
+            <a:r>
+              <a:rPr kumimoji="0" lang="es-BO" altLang="es-BO" sz="1600" b="0" i="0" u="none" strike="noStrike" cap="none" normalizeH="0" baseline="0">
+                <a:ln>
+                  <a:noFill/>
+                </a:ln>
+                <a:solidFill>
+                  <a:srgbClr val="A9B7C6"/>
+                </a:solidFill>
+                <a:effectLst/>
+                <a:latin typeface="JetBrains Mono"/>
+              </a:rPr>
+              <a:t>)</a:t>
+            </a:r>
+            <a:br>
+              <a:rPr kumimoji="0" lang="es-BO" altLang="es-BO" sz="1600" b="0" i="0" u="none" strike="noStrike" cap="none" normalizeH="0" baseline="0">
+                <a:ln>
+                  <a:noFill/>
+                </a:ln>
+                <a:solidFill>
+                  <a:srgbClr val="A9B7C6"/>
+                </a:solidFill>
+                <a:effectLst/>
+                <a:latin typeface="JetBrains Mono"/>
+              </a:rPr>
+            </a:br>
+            <a:br>
+              <a:rPr kumimoji="0" lang="es-BO" altLang="es-BO" sz="1600" b="0" i="0" u="none" strike="noStrike" cap="none" normalizeH="0" baseline="0">
+                <a:ln>
+                  <a:noFill/>
+                </a:ln>
+                <a:solidFill>
+                  <a:srgbClr val="A9B7C6"/>
+                </a:solidFill>
+                <a:effectLst/>
+                <a:latin typeface="JetBrains Mono"/>
+              </a:rPr>
+            </a:br>
+            <a:r>
+              <a:rPr kumimoji="0" lang="es-BO" altLang="es-BO" sz="1600" b="0" i="0" u="none" strike="noStrike" cap="none" normalizeH="0" baseline="0">
+                <a:ln>
+                  <a:noFill/>
+                </a:ln>
+                <a:solidFill>
+                  <a:srgbClr val="CC7832"/>
+                </a:solidFill>
+                <a:effectLst/>
+                <a:latin typeface="JetBrains Mono"/>
+              </a:rPr>
+              <a:t>SELECT </a:t>
+            </a:r>
+            <a:r>
+              <a:rPr kumimoji="0" lang="es-BO" altLang="es-BO" sz="1600" b="0" i="0" u="none" strike="noStrike" cap="none" normalizeH="0" baseline="0">
+                <a:ln>
+                  <a:noFill/>
+                </a:ln>
+                <a:solidFill>
+                  <a:srgbClr val="FFC66D"/>
+                </a:solidFill>
+                <a:effectLst/>
+                <a:latin typeface="JetBrains Mono"/>
+              </a:rPr>
+              <a:t>* </a:t>
+            </a:r>
+            <a:r>
+              <a:rPr kumimoji="0" lang="es-BO" altLang="es-BO" sz="1600" b="0" i="0" u="none" strike="noStrike" cap="none" normalizeH="0" baseline="0">
+                <a:ln>
+                  <a:noFill/>
+                </a:ln>
+                <a:solidFill>
+                  <a:srgbClr val="CC7832"/>
+                </a:solidFill>
+                <a:effectLst/>
+                <a:latin typeface="JetBrains Mono"/>
+              </a:rPr>
+              <a:t>FROM </a:t>
+            </a:r>
+            <a:r>
+              <a:rPr kumimoji="0" lang="es-BO" altLang="es-BO" sz="1600" b="0" i="0" u="none" strike="noStrike" cap="none" normalizeH="0" baseline="0">
+                <a:ln>
+                  <a:noFill/>
+                </a:ln>
+                <a:solidFill>
+                  <a:srgbClr val="A9B7C6"/>
+                </a:solidFill>
+                <a:effectLst/>
+                <a:latin typeface="JetBrains Mono"/>
+              </a:rPr>
+              <a:t>fibonacci</a:t>
+            </a:r>
+            <a:r>
+              <a:rPr kumimoji="0" lang="es-BO" altLang="es-BO" sz="1600" b="0" i="0" u="none" strike="noStrike" cap="none" normalizeH="0" baseline="0">
+                <a:ln>
+                  <a:noFill/>
+                </a:ln>
+                <a:solidFill>
+                  <a:srgbClr val="CC7832"/>
+                </a:solidFill>
+                <a:effectLst/>
+                <a:latin typeface="JetBrains Mono"/>
+              </a:rPr>
+              <a:t>;</a:t>
+            </a:r>
+            <a:endParaRPr kumimoji="0" lang="es-BO" altLang="es-BO" sz="3600" b="0" i="0" u="none" strike="noStrike" cap="none" normalizeH="0" baseline="0">
+              <a:ln>
+                <a:noFill/>
+              </a:ln>
+              <a:solidFill>
+                <a:schemeClr val="tx1"/>
+              </a:solidFill>
+              <a:effectLst/>
+              <a:latin typeface="Arial" panose="020B0604020202020204" pitchFamily="34" charset="0"/>
+            </a:endParaRPr>
+          </a:p>
+        </p:txBody>
+      </p:sp>
+    </p:spTree>
+    <p:extLst>
+      <p:ext uri="{BB962C8B-B14F-4D97-AF65-F5344CB8AC3E}">
+        <p14:creationId xmlns:p14="http://schemas.microsoft.com/office/powerpoint/2010/main" val="2015411952"/>
+      </p:ext>
+    </p:extLst>
+  </p:cSld>
+  <p:clrMapOvr>
+    <a:masterClrMapping/>
+  </p:clrMapOvr>
+</p:sld>
+</file>
+
+<file path=ppt/slides/slide15.xml><?xml version="1.0" encoding="utf-8"?>
+<p:sld xmlns:a="http://schemas.openxmlformats.org/drawingml/2006/main" xmlns:r="http://schemas.openxmlformats.org/officeDocument/2006/relationships" xmlns:p="http://schemas.openxmlformats.org/presentationml/2006/main">
+  <p:cSld>
+    <p:spTree>
+      <p:nvGrpSpPr>
+        <p:cNvPr id="1" name=""/>
+        <p:cNvGrpSpPr/>
+        <p:nvPr/>
+      </p:nvGrpSpPr>
+      <p:grpSpPr>
+        <a:xfrm>
+          <a:off x="0" y="0"/>
+          <a:ext cx="0" cy="0"/>
+          <a:chOff x="0" y="0"/>
+          <a:chExt cx="0" cy="0"/>
+        </a:xfrm>
+      </p:grpSpPr>
+      <p:sp>
+        <p:nvSpPr>
+          <p:cNvPr id="2" name="Título 1">
+            <a:extLst>
+              <a:ext uri="{FF2B5EF4-FFF2-40B4-BE49-F238E27FC236}">
+                <a16:creationId xmlns:a16="http://schemas.microsoft.com/office/drawing/2014/main" id="{EB3794C9-831C-4580-A03E-547BE329A9DF}"/>
+              </a:ext>
+            </a:extLst>
+          </p:cNvPr>
+          <p:cNvSpPr>
+            <a:spLocks noGrp="1"/>
+          </p:cNvSpPr>
+          <p:nvPr>
+            <p:ph type="title"/>
+          </p:nvPr>
+        </p:nvSpPr>
+        <p:spPr>
+          <a:xfrm>
+            <a:off x="423465" y="795131"/>
+            <a:ext cx="10353761" cy="1326321"/>
+          </a:xfrm>
+        </p:spPr>
+        <p:txBody>
+          <a:bodyPr>
+            <a:noAutofit/>
+          </a:bodyPr>
+          <a:lstStyle/>
+          <a:p>
+            <a:pPr algn="l"/>
+            <a:r>
+              <a:rPr lang="es-MX" sz="2000" dirty="0">
+                <a:latin typeface="Arial" panose="020B0604020202020204" pitchFamily="34" charset="0"/>
+                <a:cs typeface="Arial" panose="020B0604020202020204" pitchFamily="34" charset="0"/>
+              </a:rPr>
+              <a:t>16.Crear una función que recibe un parámetro INTEGER. </a:t>
+            </a:r>
+            <a:br>
+              <a:rPr lang="es-MX" sz="2000" dirty="0">
+                <a:latin typeface="Arial" panose="020B0604020202020204" pitchFamily="34" charset="0"/>
+                <a:cs typeface="Arial" panose="020B0604020202020204" pitchFamily="34" charset="0"/>
+              </a:rPr>
+            </a:br>
+            <a:r>
+              <a:rPr lang="es-MX" sz="2000" dirty="0">
+                <a:latin typeface="Arial" panose="020B0604020202020204" pitchFamily="34" charset="0"/>
+                <a:cs typeface="Arial" panose="020B0604020202020204" pitchFamily="34" charset="0"/>
+              </a:rPr>
+              <a:t>○ La función debe de retornar un texto(TEXT) como respuesta. </a:t>
+            </a:r>
+            <a:br>
+              <a:rPr lang="es-MX" sz="2000" dirty="0">
+                <a:latin typeface="Arial" panose="020B0604020202020204" pitchFamily="34" charset="0"/>
+                <a:cs typeface="Arial" panose="020B0604020202020204" pitchFamily="34" charset="0"/>
+              </a:rPr>
+            </a:br>
+            <a:r>
+              <a:rPr lang="es-MX" sz="2000" dirty="0">
+                <a:latin typeface="Arial" panose="020B0604020202020204" pitchFamily="34" charset="0"/>
+                <a:cs typeface="Arial" panose="020B0604020202020204" pitchFamily="34" charset="0"/>
+              </a:rPr>
+              <a:t>○ El parámetro es un valor numérico </a:t>
+            </a:r>
+            <a:r>
+              <a:rPr lang="es-MX" sz="2000" dirty="0" err="1">
+                <a:latin typeface="Arial" panose="020B0604020202020204" pitchFamily="34" charset="0"/>
+                <a:cs typeface="Arial" panose="020B0604020202020204" pitchFamily="34" charset="0"/>
+              </a:rPr>
+              <a:t>credit_number</a:t>
+            </a:r>
+            <a:r>
+              <a:rPr lang="es-MX" sz="2000" dirty="0">
+                <a:latin typeface="Arial" panose="020B0604020202020204" pitchFamily="34" charset="0"/>
+                <a:cs typeface="Arial" panose="020B0604020202020204" pitchFamily="34" charset="0"/>
+              </a:rPr>
+              <a:t>.</a:t>
+            </a:r>
+            <a:br>
+              <a:rPr lang="es-MX" sz="2000" dirty="0">
+                <a:latin typeface="Arial" panose="020B0604020202020204" pitchFamily="34" charset="0"/>
+                <a:cs typeface="Arial" panose="020B0604020202020204" pitchFamily="34" charset="0"/>
+              </a:rPr>
+            </a:br>
+            <a:r>
+              <a:rPr lang="es-MX" sz="2000" dirty="0">
+                <a:latin typeface="Arial" panose="020B0604020202020204" pitchFamily="34" charset="0"/>
+                <a:cs typeface="Arial" panose="020B0604020202020204" pitchFamily="34" charset="0"/>
+              </a:rPr>
+              <a:t> ○ Si es mayor a 50000 es PLATINIUM. </a:t>
+            </a:r>
+            <a:br>
+              <a:rPr lang="es-MX" sz="2000" dirty="0">
+                <a:latin typeface="Arial" panose="020B0604020202020204" pitchFamily="34" charset="0"/>
+                <a:cs typeface="Arial" panose="020B0604020202020204" pitchFamily="34" charset="0"/>
+              </a:rPr>
+            </a:br>
+            <a:r>
+              <a:rPr lang="es-MX" sz="2000" dirty="0">
+                <a:latin typeface="Arial" panose="020B0604020202020204" pitchFamily="34" charset="0"/>
+                <a:cs typeface="Arial" panose="020B0604020202020204" pitchFamily="34" charset="0"/>
+              </a:rPr>
+              <a:t>○ Si es mayor igual a 10000 y menor igual a 50000 es GOLD. </a:t>
+            </a:r>
+            <a:br>
+              <a:rPr lang="es-MX" sz="2000" dirty="0">
+                <a:latin typeface="Arial" panose="020B0604020202020204" pitchFamily="34" charset="0"/>
+                <a:cs typeface="Arial" panose="020B0604020202020204" pitchFamily="34" charset="0"/>
+              </a:rPr>
+            </a:br>
+            <a:r>
+              <a:rPr lang="es-MX" sz="2000" dirty="0">
+                <a:latin typeface="Arial" panose="020B0604020202020204" pitchFamily="34" charset="0"/>
+                <a:cs typeface="Arial" panose="020B0604020202020204" pitchFamily="34" charset="0"/>
+              </a:rPr>
+              <a:t>○ Si es menor a 10000 es SILVER </a:t>
+            </a:r>
+            <a:br>
+              <a:rPr lang="es-MX" sz="2000" dirty="0">
+                <a:latin typeface="Arial" panose="020B0604020202020204" pitchFamily="34" charset="0"/>
+                <a:cs typeface="Arial" panose="020B0604020202020204" pitchFamily="34" charset="0"/>
+              </a:rPr>
+            </a:br>
+            <a:r>
+              <a:rPr lang="es-MX" sz="2000" dirty="0">
+                <a:latin typeface="Arial" panose="020B0604020202020204" pitchFamily="34" charset="0"/>
+                <a:cs typeface="Arial" panose="020B0604020202020204" pitchFamily="34" charset="0"/>
+              </a:rPr>
+              <a:t>○ La función debe retornar indicando si ese cliente es PLATINUM, GOLD o SILVER en base al valor del </a:t>
+            </a:r>
+            <a:r>
+              <a:rPr lang="es-MX" sz="2000" dirty="0" err="1">
+                <a:latin typeface="Arial" panose="020B0604020202020204" pitchFamily="34" charset="0"/>
+                <a:cs typeface="Arial" panose="020B0604020202020204" pitchFamily="34" charset="0"/>
+              </a:rPr>
+              <a:t>credit_number</a:t>
+            </a:r>
+            <a:r>
+              <a:rPr lang="es-MX" sz="2000" dirty="0">
+                <a:latin typeface="Arial" panose="020B0604020202020204" pitchFamily="34" charset="0"/>
+                <a:cs typeface="Arial" panose="020B0604020202020204" pitchFamily="34" charset="0"/>
+              </a:rPr>
+              <a:t>. </a:t>
+            </a:r>
+            <a:br>
+              <a:rPr lang="es-MX" sz="2000" dirty="0">
+                <a:latin typeface="Arial" panose="020B0604020202020204" pitchFamily="34" charset="0"/>
+                <a:cs typeface="Arial" panose="020B0604020202020204" pitchFamily="34" charset="0"/>
+              </a:rPr>
+            </a:br>
+            <a:r>
+              <a:rPr lang="es-MX" sz="2000" dirty="0">
+                <a:latin typeface="Arial" panose="020B0604020202020204" pitchFamily="34" charset="0"/>
+                <a:cs typeface="Arial" panose="020B0604020202020204" pitchFamily="34" charset="0"/>
+              </a:rPr>
+              <a:t>○ Considere la imagen siguiente:</a:t>
+            </a:r>
+            <a:endParaRPr lang="es-BO" sz="2000" dirty="0">
+              <a:latin typeface="Arial" panose="020B0604020202020204" pitchFamily="34" charset="0"/>
+              <a:cs typeface="Arial" panose="020B0604020202020204" pitchFamily="34" charset="0"/>
+            </a:endParaRPr>
+          </a:p>
+        </p:txBody>
+      </p:sp>
+      <p:sp>
+        <p:nvSpPr>
+          <p:cNvPr id="4" name="Rectangle 1">
+            <a:extLst>
+              <a:ext uri="{FF2B5EF4-FFF2-40B4-BE49-F238E27FC236}">
+                <a16:creationId xmlns:a16="http://schemas.microsoft.com/office/drawing/2014/main" id="{3C8B6E26-B24F-4C41-897C-8EEA2E3D8412}"/>
+              </a:ext>
+            </a:extLst>
+          </p:cNvPr>
+          <p:cNvSpPr>
+            <a:spLocks noChangeArrowheads="1"/>
+          </p:cNvSpPr>
+          <p:nvPr/>
+        </p:nvSpPr>
+        <p:spPr bwMode="auto">
+          <a:xfrm>
+            <a:off x="5393636" y="2744021"/>
+            <a:ext cx="5155094" cy="3785652"/>
+          </a:xfrm>
+          <a:prstGeom prst="rect">
+            <a:avLst/>
+          </a:prstGeom>
+          <a:solidFill>
+            <a:srgbClr val="2B2B2B"/>
+          </a:solidFill>
+          <a:ln>
+            <a:noFill/>
+          </a:ln>
+          <a:effectLst/>
+          <a:extLst>
+            <a:ext uri="{91240B29-F687-4F45-9708-019B960494DF}">
+              <a14:hiddenLine xmlns:a14="http://schemas.microsoft.com/office/drawing/2010/main" w="9525">
+                <a:solidFill>
+                  <a:schemeClr val="tx1"/>
+                </a:solidFill>
+                <a:miter lim="800000"/>
+                <a:headEnd/>
+                <a:tailEnd/>
+              </a14:hiddenLine>
+            </a:ext>
+            <a:ext uri="{AF507438-7753-43E0-B8FC-AC1667EBCBE1}">
+              <a14:hiddenEffects xmlns:a14="http://schemas.microsoft.com/office/drawing/2010/main">
+                <a:effectLst>
+                  <a:outerShdw dist="35921" dir="2700000" algn="ctr" rotWithShape="0">
+                    <a:schemeClr val="bg2"/>
+                  </a:outerShdw>
+                </a:effectLst>
+              </a14:hiddenEffects>
+            </a:ext>
+          </a:extLst>
+        </p:spPr>
+        <p:txBody>
+          <a:bodyPr vert="horz" wrap="square" lIns="91440" tIns="45720" rIns="91440" bIns="45720" numCol="1" anchor="ctr" anchorCtr="0" compatLnSpc="1">
+            <a:prstTxWarp prst="textNoShape">
+              <a:avLst/>
+            </a:prstTxWarp>
+            <a:spAutoFit/>
+          </a:bodyPr>
+          <a:lstStyle/>
+          <a:p>
+            <a:pPr marL="0" marR="0" lvl="0" indent="0" algn="l" defTabSz="914400" rtl="0" eaLnBrk="0" fontAlgn="base" latinLnBrk="0" hangingPunct="0">
+              <a:lnSpc>
+                <a:spcPct val="100000"/>
+              </a:lnSpc>
+              <a:spcBef>
+                <a:spcPct val="0"/>
+              </a:spcBef>
+              <a:spcAft>
+                <a:spcPct val="0"/>
+              </a:spcAft>
+              <a:buClrTx/>
+              <a:buSzTx/>
+              <a:buFontTx/>
+              <a:buNone/>
+              <a:tabLst/>
+            </a:pPr>
+            <a:br>
+              <a:rPr kumimoji="0" lang="es-BO" altLang="es-BO" sz="1200" b="0" i="0" u="none" strike="noStrike" cap="none" normalizeH="0" baseline="0" dirty="0">
+                <a:ln>
+                  <a:noFill/>
+                </a:ln>
+                <a:solidFill>
+                  <a:srgbClr val="A9B7C6"/>
+                </a:solidFill>
+                <a:effectLst/>
+                <a:latin typeface="JetBrains Mono"/>
+              </a:rPr>
+            </a:br>
+            <a:r>
+              <a:rPr kumimoji="0" lang="es-BO" altLang="es-BO" sz="1200" b="0" i="0" u="none" strike="noStrike" cap="none" normalizeH="0" baseline="0" dirty="0" err="1">
+                <a:ln>
+                  <a:noFill/>
+                </a:ln>
+                <a:solidFill>
+                  <a:srgbClr val="CC7832"/>
+                </a:solidFill>
+                <a:effectLst/>
+                <a:latin typeface="JetBrains Mono"/>
+              </a:rPr>
+              <a:t>create</a:t>
+            </a:r>
+            <a:r>
+              <a:rPr kumimoji="0" lang="es-BO" altLang="es-BO" sz="1200" b="0" i="0" u="none" strike="noStrike" cap="none" normalizeH="0" baseline="0" dirty="0">
+                <a:ln>
+                  <a:noFill/>
+                </a:ln>
+                <a:solidFill>
+                  <a:srgbClr val="CC7832"/>
+                </a:solidFill>
+                <a:effectLst/>
+                <a:latin typeface="JetBrains Mono"/>
+              </a:rPr>
+              <a:t> </a:t>
+            </a:r>
+            <a:r>
+              <a:rPr kumimoji="0" lang="es-BO" altLang="es-BO" sz="1200" b="0" i="0" u="none" strike="noStrike" cap="none" normalizeH="0" baseline="0" dirty="0" err="1">
+                <a:ln>
+                  <a:noFill/>
+                </a:ln>
+                <a:solidFill>
+                  <a:srgbClr val="CC7832"/>
+                </a:solidFill>
+                <a:effectLst/>
+                <a:latin typeface="JetBrains Mono"/>
+              </a:rPr>
+              <a:t>or</a:t>
+            </a:r>
+            <a:r>
+              <a:rPr kumimoji="0" lang="es-BO" altLang="es-BO" sz="1200" b="0" i="0" u="none" strike="noStrike" cap="none" normalizeH="0" baseline="0" dirty="0">
+                <a:ln>
+                  <a:noFill/>
+                </a:ln>
+                <a:solidFill>
+                  <a:srgbClr val="CC7832"/>
+                </a:solidFill>
+                <a:effectLst/>
+                <a:latin typeface="JetBrains Mono"/>
+              </a:rPr>
+              <a:t> </a:t>
+            </a:r>
+            <a:r>
+              <a:rPr kumimoji="0" lang="es-BO" altLang="es-BO" sz="1200" b="0" i="0" u="none" strike="noStrike" cap="none" normalizeH="0" baseline="0" dirty="0" err="1">
+                <a:ln>
+                  <a:noFill/>
+                </a:ln>
+                <a:solidFill>
+                  <a:srgbClr val="CC7832"/>
+                </a:solidFill>
+                <a:effectLst/>
+                <a:latin typeface="JetBrains Mono"/>
+              </a:rPr>
+              <a:t>replace</a:t>
+            </a:r>
+            <a:r>
+              <a:rPr kumimoji="0" lang="es-BO" altLang="es-BO" sz="1200" b="0" i="0" u="none" strike="noStrike" cap="none" normalizeH="0" baseline="0" dirty="0">
+                <a:ln>
+                  <a:noFill/>
+                </a:ln>
+                <a:solidFill>
+                  <a:srgbClr val="CC7832"/>
+                </a:solidFill>
+                <a:effectLst/>
+                <a:latin typeface="JetBrains Mono"/>
+              </a:rPr>
+              <a:t> </a:t>
+            </a:r>
+            <a:r>
+              <a:rPr kumimoji="0" lang="es-BO" altLang="es-BO" sz="1200" b="0" i="0" u="none" strike="noStrike" cap="none" normalizeH="0" baseline="0" dirty="0" err="1">
+                <a:ln>
+                  <a:noFill/>
+                </a:ln>
+                <a:solidFill>
+                  <a:srgbClr val="CC7832"/>
+                </a:solidFill>
+                <a:effectLst/>
+                <a:latin typeface="JetBrains Mono"/>
+              </a:rPr>
+              <a:t>function</a:t>
+            </a:r>
+            <a:r>
+              <a:rPr kumimoji="0" lang="es-BO" altLang="es-BO" sz="1200" b="0" i="0" u="none" strike="noStrike" cap="none" normalizeH="0" baseline="0" dirty="0">
+                <a:ln>
+                  <a:noFill/>
+                </a:ln>
+                <a:solidFill>
+                  <a:srgbClr val="CC7832"/>
+                </a:solidFill>
+                <a:effectLst/>
+                <a:latin typeface="JetBrains Mono"/>
+              </a:rPr>
+              <a:t> </a:t>
+            </a:r>
+            <a:r>
+              <a:rPr kumimoji="0" lang="es-BO" altLang="es-BO" sz="1200" b="0" i="0" u="none" strike="noStrike" cap="none" normalizeH="0" baseline="0" dirty="0" err="1">
+                <a:ln>
+                  <a:noFill/>
+                </a:ln>
+                <a:solidFill>
+                  <a:srgbClr val="A9B7C6"/>
+                </a:solidFill>
+                <a:effectLst/>
+                <a:latin typeface="JetBrains Mono"/>
+              </a:rPr>
+              <a:t>paramint</a:t>
+            </a:r>
+            <a:r>
+              <a:rPr kumimoji="0" lang="es-BO" altLang="es-BO" sz="1200" b="0" i="0" u="none" strike="noStrike" cap="none" normalizeH="0" baseline="0" dirty="0">
+                <a:ln>
+                  <a:noFill/>
+                </a:ln>
+                <a:solidFill>
+                  <a:srgbClr val="A9B7C6"/>
+                </a:solidFill>
+                <a:effectLst/>
+                <a:latin typeface="JetBrains Mono"/>
+              </a:rPr>
+              <a:t>(</a:t>
+            </a:r>
+            <a:r>
+              <a:rPr kumimoji="0" lang="es-BO" altLang="es-BO" sz="1200" b="0" i="0" u="none" strike="noStrike" cap="none" normalizeH="0" baseline="0" dirty="0" err="1">
+                <a:ln>
+                  <a:noFill/>
+                </a:ln>
+                <a:solidFill>
+                  <a:srgbClr val="A9B7C6"/>
+                </a:solidFill>
+                <a:effectLst/>
+                <a:latin typeface="JetBrains Mono"/>
+              </a:rPr>
+              <a:t>parametro</a:t>
+            </a:r>
+            <a:r>
+              <a:rPr kumimoji="0" lang="es-BO" altLang="es-BO" sz="1200" b="0" i="0" u="none" strike="noStrike" cap="none" normalizeH="0" baseline="0" dirty="0">
+                <a:ln>
+                  <a:noFill/>
+                </a:ln>
+                <a:solidFill>
+                  <a:srgbClr val="A9B7C6"/>
+                </a:solidFill>
+                <a:effectLst/>
+                <a:latin typeface="JetBrains Mono"/>
+              </a:rPr>
+              <a:t> </a:t>
+            </a:r>
+            <a:r>
+              <a:rPr kumimoji="0" lang="es-BO" altLang="es-BO" sz="1200" b="0" i="0" u="none" strike="noStrike" cap="none" normalizeH="0" baseline="0" dirty="0" err="1">
+                <a:ln>
+                  <a:noFill/>
+                </a:ln>
+                <a:solidFill>
+                  <a:srgbClr val="CC7832"/>
+                </a:solidFill>
+                <a:effectLst/>
+                <a:latin typeface="JetBrains Mono"/>
+              </a:rPr>
+              <a:t>int</a:t>
+            </a:r>
+            <a:r>
+              <a:rPr kumimoji="0" lang="es-BO" altLang="es-BO" sz="1200" b="0" i="0" u="none" strike="noStrike" cap="none" normalizeH="0" baseline="0" dirty="0">
+                <a:ln>
+                  <a:noFill/>
+                </a:ln>
+                <a:solidFill>
+                  <a:srgbClr val="A9B7C6"/>
+                </a:solidFill>
+                <a:effectLst/>
+                <a:latin typeface="JetBrains Mono"/>
+              </a:rPr>
+              <a:t>)</a:t>
+            </a:r>
+            <a:br>
+              <a:rPr kumimoji="0" lang="es-BO" altLang="es-BO" sz="1200" b="0" i="0" u="none" strike="noStrike" cap="none" normalizeH="0" baseline="0" dirty="0">
+                <a:ln>
+                  <a:noFill/>
+                </a:ln>
+                <a:solidFill>
+                  <a:srgbClr val="A9B7C6"/>
+                </a:solidFill>
+                <a:effectLst/>
+                <a:latin typeface="JetBrains Mono"/>
+              </a:rPr>
+            </a:br>
+            <a:r>
+              <a:rPr kumimoji="0" lang="es-BO" altLang="es-BO" sz="1200" b="0" i="0" u="none" strike="noStrike" cap="none" normalizeH="0" baseline="0" dirty="0" err="1">
+                <a:ln>
+                  <a:noFill/>
+                </a:ln>
+                <a:solidFill>
+                  <a:srgbClr val="CC7832"/>
+                </a:solidFill>
+                <a:effectLst/>
+                <a:latin typeface="JetBrains Mono"/>
+              </a:rPr>
+              <a:t>returns</a:t>
+            </a:r>
+            <a:r>
+              <a:rPr kumimoji="0" lang="es-BO" altLang="es-BO" sz="1200" b="0" i="0" u="none" strike="noStrike" cap="none" normalizeH="0" baseline="0" dirty="0">
+                <a:ln>
+                  <a:noFill/>
+                </a:ln>
+                <a:solidFill>
+                  <a:srgbClr val="CC7832"/>
+                </a:solidFill>
+                <a:effectLst/>
+                <a:latin typeface="JetBrains Mono"/>
+              </a:rPr>
+              <a:t> </a:t>
+            </a:r>
+            <a:r>
+              <a:rPr kumimoji="0" lang="es-BO" altLang="es-BO" sz="1200" b="0" i="0" u="none" strike="noStrike" cap="none" normalizeH="0" baseline="0" dirty="0" err="1">
+                <a:ln>
+                  <a:noFill/>
+                </a:ln>
+                <a:solidFill>
+                  <a:srgbClr val="CC7832"/>
+                </a:solidFill>
+                <a:effectLst/>
+                <a:latin typeface="JetBrains Mono"/>
+              </a:rPr>
+              <a:t>text</a:t>
+            </a:r>
+            <a:br>
+              <a:rPr kumimoji="0" lang="es-BO" altLang="es-BO" sz="1200" b="0" i="0" u="none" strike="noStrike" cap="none" normalizeH="0" baseline="0" dirty="0">
+                <a:ln>
+                  <a:noFill/>
+                </a:ln>
+                <a:solidFill>
+                  <a:srgbClr val="CC7832"/>
+                </a:solidFill>
+                <a:effectLst/>
+                <a:latin typeface="JetBrains Mono"/>
+              </a:rPr>
+            </a:br>
+            <a:r>
+              <a:rPr kumimoji="0" lang="es-BO" altLang="es-BO" sz="1200" b="0" i="0" u="none" strike="noStrike" cap="none" normalizeH="0" baseline="0" dirty="0" err="1">
+                <a:ln>
+                  <a:noFill/>
+                </a:ln>
+                <a:solidFill>
+                  <a:srgbClr val="CC7832"/>
+                </a:solidFill>
+                <a:effectLst/>
+                <a:latin typeface="JetBrains Mono"/>
+              </a:rPr>
+              <a:t>begin</a:t>
+            </a:r>
+            <a:br>
+              <a:rPr kumimoji="0" lang="es-BO" altLang="es-BO" sz="1200" b="0" i="0" u="none" strike="noStrike" cap="none" normalizeH="0" baseline="0" dirty="0">
+                <a:ln>
+                  <a:noFill/>
+                </a:ln>
+                <a:solidFill>
+                  <a:srgbClr val="CC7832"/>
+                </a:solidFill>
+                <a:effectLst/>
+                <a:latin typeface="JetBrains Mono"/>
+              </a:rPr>
+            </a:br>
+            <a:br>
+              <a:rPr kumimoji="0" lang="es-BO" altLang="es-BO" sz="1200" b="0" i="0" u="none" strike="noStrike" cap="none" normalizeH="0" baseline="0" dirty="0">
+                <a:ln>
+                  <a:noFill/>
+                </a:ln>
+                <a:solidFill>
+                  <a:srgbClr val="CC7832"/>
+                </a:solidFill>
+                <a:effectLst/>
+                <a:latin typeface="JetBrains Mono"/>
+              </a:rPr>
+            </a:br>
+            <a:r>
+              <a:rPr kumimoji="0" lang="es-BO" altLang="es-BO" sz="1200" b="0" i="0" u="none" strike="noStrike" cap="none" normalizeH="0" baseline="0" dirty="0">
+                <a:ln>
+                  <a:noFill/>
+                </a:ln>
+                <a:solidFill>
+                  <a:srgbClr val="CC7832"/>
+                </a:solidFill>
+                <a:effectLst/>
+                <a:latin typeface="JetBrains Mono"/>
+              </a:rPr>
+              <a:t>    </a:t>
+            </a:r>
+            <a:r>
+              <a:rPr kumimoji="0" lang="es-BO" altLang="es-BO" sz="1200" b="0" i="0" u="none" strike="noStrike" cap="none" normalizeH="0" baseline="0" dirty="0" err="1">
+                <a:ln>
+                  <a:noFill/>
+                </a:ln>
+                <a:solidFill>
+                  <a:srgbClr val="CC7832"/>
+                </a:solidFill>
+                <a:effectLst/>
+                <a:latin typeface="JetBrains Mono"/>
+              </a:rPr>
+              <a:t>if</a:t>
+            </a:r>
+            <a:r>
+              <a:rPr kumimoji="0" lang="es-BO" altLang="es-BO" sz="1200" b="0" i="0" u="none" strike="noStrike" cap="none" normalizeH="0" baseline="0" dirty="0">
+                <a:ln>
+                  <a:noFill/>
+                </a:ln>
+                <a:solidFill>
+                  <a:srgbClr val="CC7832"/>
+                </a:solidFill>
+                <a:effectLst/>
+                <a:latin typeface="JetBrains Mono"/>
+              </a:rPr>
+              <a:t> </a:t>
+            </a:r>
+            <a:r>
+              <a:rPr kumimoji="0" lang="es-BO" altLang="es-BO" sz="1200" b="0" i="0" u="none" strike="noStrike" cap="none" normalizeH="0" baseline="0" dirty="0" err="1">
+                <a:ln>
+                  <a:noFill/>
+                </a:ln>
+                <a:solidFill>
+                  <a:srgbClr val="A9B7C6"/>
+                </a:solidFill>
+                <a:effectLst/>
+                <a:latin typeface="JetBrains Mono"/>
+              </a:rPr>
+              <a:t>parametro</a:t>
+            </a:r>
+            <a:r>
+              <a:rPr kumimoji="0" lang="es-BO" altLang="es-BO" sz="1200" b="0" i="0" u="none" strike="noStrike" cap="none" normalizeH="0" baseline="0" dirty="0">
+                <a:ln>
+                  <a:noFill/>
+                </a:ln>
+                <a:solidFill>
+                  <a:srgbClr val="A9B7C6"/>
+                </a:solidFill>
+                <a:effectLst/>
+                <a:latin typeface="JetBrains Mono"/>
+              </a:rPr>
+              <a:t> &gt; </a:t>
+            </a:r>
+            <a:r>
+              <a:rPr kumimoji="0" lang="es-BO" altLang="es-BO" sz="1200" b="0" i="0" u="none" strike="noStrike" cap="none" normalizeH="0" baseline="0" dirty="0">
+                <a:ln>
+                  <a:noFill/>
+                </a:ln>
+                <a:solidFill>
+                  <a:srgbClr val="6897BB"/>
+                </a:solidFill>
+                <a:effectLst/>
+                <a:latin typeface="JetBrains Mono"/>
+              </a:rPr>
+              <a:t>50000</a:t>
+            </a:r>
+            <a:br>
+              <a:rPr kumimoji="0" lang="es-BO" altLang="es-BO" sz="1200" b="0" i="0" u="none" strike="noStrike" cap="none" normalizeH="0" baseline="0" dirty="0">
+                <a:ln>
+                  <a:noFill/>
+                </a:ln>
+                <a:solidFill>
+                  <a:srgbClr val="6897BB"/>
+                </a:solidFill>
+                <a:effectLst/>
+                <a:latin typeface="JetBrains Mono"/>
+              </a:rPr>
+            </a:br>
+            <a:r>
+              <a:rPr kumimoji="0" lang="es-BO" altLang="es-BO" sz="1200" b="0" i="0" u="none" strike="noStrike" cap="none" normalizeH="0" baseline="0" dirty="0">
+                <a:ln>
+                  <a:noFill/>
+                </a:ln>
+                <a:solidFill>
+                  <a:srgbClr val="6897BB"/>
+                </a:solidFill>
+                <a:effectLst/>
+                <a:latin typeface="JetBrains Mono"/>
+              </a:rPr>
+              <a:t>        </a:t>
+            </a:r>
+            <a:r>
+              <a:rPr kumimoji="0" lang="es-BO" altLang="es-BO" sz="1200" b="0" i="0" u="none" strike="noStrike" cap="none" normalizeH="0" baseline="0" dirty="0" err="1">
+                <a:ln>
+                  <a:noFill/>
+                </a:ln>
+                <a:solidFill>
+                  <a:srgbClr val="CC7832"/>
+                </a:solidFill>
+                <a:effectLst/>
+                <a:latin typeface="JetBrains Mono"/>
+              </a:rPr>
+              <a:t>then</a:t>
+            </a:r>
+            <a:br>
+              <a:rPr kumimoji="0" lang="es-BO" altLang="es-BO" sz="1200" b="0" i="0" u="none" strike="noStrike" cap="none" normalizeH="0" baseline="0" dirty="0">
+                <a:ln>
+                  <a:noFill/>
+                </a:ln>
+                <a:solidFill>
+                  <a:srgbClr val="CC7832"/>
+                </a:solidFill>
+                <a:effectLst/>
+                <a:latin typeface="JetBrains Mono"/>
+              </a:rPr>
+            </a:br>
+            <a:r>
+              <a:rPr kumimoji="0" lang="es-BO" altLang="es-BO" sz="1200" b="0" i="0" u="none" strike="noStrike" cap="none" normalizeH="0" baseline="0" dirty="0">
+                <a:ln>
+                  <a:noFill/>
+                </a:ln>
+                <a:solidFill>
+                  <a:srgbClr val="CC7832"/>
+                </a:solidFill>
+                <a:effectLst/>
+                <a:latin typeface="JetBrains Mono"/>
+              </a:rPr>
+              <a:t>        </a:t>
+            </a:r>
+            <a:r>
+              <a:rPr kumimoji="0" lang="es-BO" altLang="es-BO" sz="1200" b="0" i="0" u="none" strike="noStrike" cap="none" normalizeH="0" baseline="0" dirty="0" err="1">
+                <a:ln>
+                  <a:noFill/>
+                </a:ln>
+                <a:solidFill>
+                  <a:srgbClr val="CC7832"/>
+                </a:solidFill>
+                <a:effectLst/>
+                <a:latin typeface="JetBrains Mono"/>
+              </a:rPr>
+              <a:t>return</a:t>
+            </a:r>
+            <a:r>
+              <a:rPr kumimoji="0" lang="es-BO" altLang="es-BO" sz="1200" b="0" i="0" u="none" strike="noStrike" cap="none" normalizeH="0" baseline="0" dirty="0">
+                <a:ln>
+                  <a:noFill/>
+                </a:ln>
+                <a:solidFill>
+                  <a:srgbClr val="CC7832"/>
+                </a:solidFill>
+                <a:effectLst/>
+                <a:latin typeface="JetBrains Mono"/>
+              </a:rPr>
+              <a:t> </a:t>
+            </a:r>
+            <a:r>
+              <a:rPr kumimoji="0" lang="es-BO" altLang="es-BO" sz="1200" b="0" i="0" u="none" strike="noStrike" cap="none" normalizeH="0" baseline="0" dirty="0">
+                <a:ln>
+                  <a:noFill/>
+                </a:ln>
+                <a:solidFill>
+                  <a:srgbClr val="6A8759"/>
+                </a:solidFill>
+                <a:effectLst/>
+                <a:latin typeface="JetBrains Mono"/>
+              </a:rPr>
+              <a:t>'PLATINUM'</a:t>
+            </a:r>
+            <a:r>
+              <a:rPr kumimoji="0" lang="es-BO" altLang="es-BO" sz="1200" b="0" i="0" u="none" strike="noStrike" cap="none" normalizeH="0" baseline="0" dirty="0">
+                <a:ln>
+                  <a:noFill/>
+                </a:ln>
+                <a:solidFill>
+                  <a:srgbClr val="CC7832"/>
+                </a:solidFill>
+                <a:effectLst/>
+                <a:latin typeface="JetBrains Mono"/>
+              </a:rPr>
+              <a:t>;</a:t>
+            </a:r>
+            <a:br>
+              <a:rPr kumimoji="0" lang="es-BO" altLang="es-BO" sz="1200" b="0" i="0" u="none" strike="noStrike" cap="none" normalizeH="0" baseline="0" dirty="0">
+                <a:ln>
+                  <a:noFill/>
+                </a:ln>
+                <a:solidFill>
+                  <a:srgbClr val="CC7832"/>
+                </a:solidFill>
+                <a:effectLst/>
+                <a:latin typeface="JetBrains Mono"/>
+              </a:rPr>
+            </a:br>
+            <a:r>
+              <a:rPr kumimoji="0" lang="es-BO" altLang="es-BO" sz="1200" b="0" i="0" u="none" strike="noStrike" cap="none" normalizeH="0" baseline="0" dirty="0">
+                <a:ln>
+                  <a:noFill/>
+                </a:ln>
+                <a:solidFill>
+                  <a:srgbClr val="CC7832"/>
+                </a:solidFill>
+                <a:effectLst/>
+                <a:latin typeface="JetBrains Mono"/>
+              </a:rPr>
+              <a:t>    </a:t>
+            </a:r>
+            <a:r>
+              <a:rPr kumimoji="0" lang="es-BO" altLang="es-BO" sz="1200" b="0" i="0" u="none" strike="noStrike" cap="none" normalizeH="0" baseline="0" dirty="0" err="1">
+                <a:ln>
+                  <a:noFill/>
+                </a:ln>
+                <a:solidFill>
+                  <a:srgbClr val="CC7832"/>
+                </a:solidFill>
+                <a:effectLst/>
+                <a:latin typeface="JetBrains Mono"/>
+              </a:rPr>
+              <a:t>end</a:t>
+            </a:r>
+            <a:r>
+              <a:rPr kumimoji="0" lang="es-BO" altLang="es-BO" sz="1200" b="0" i="0" u="none" strike="noStrike" cap="none" normalizeH="0" baseline="0" dirty="0">
+                <a:ln>
+                  <a:noFill/>
+                </a:ln>
+                <a:solidFill>
+                  <a:srgbClr val="CC7832"/>
+                </a:solidFill>
+                <a:effectLst/>
+                <a:latin typeface="JetBrains Mono"/>
+              </a:rPr>
+              <a:t> </a:t>
+            </a:r>
+            <a:r>
+              <a:rPr kumimoji="0" lang="es-BO" altLang="es-BO" sz="1200" b="0" i="0" u="none" strike="noStrike" cap="none" normalizeH="0" baseline="0" dirty="0" err="1">
+                <a:ln>
+                  <a:noFill/>
+                </a:ln>
+                <a:solidFill>
+                  <a:srgbClr val="CC7832"/>
+                </a:solidFill>
+                <a:effectLst/>
+                <a:latin typeface="JetBrains Mono"/>
+              </a:rPr>
+              <a:t>if</a:t>
+            </a:r>
+            <a:r>
+              <a:rPr kumimoji="0" lang="es-BO" altLang="es-BO" sz="1200" b="0" i="0" u="none" strike="noStrike" cap="none" normalizeH="0" baseline="0" dirty="0">
+                <a:ln>
+                  <a:noFill/>
+                </a:ln>
+                <a:solidFill>
+                  <a:srgbClr val="CC7832"/>
+                </a:solidFill>
+                <a:effectLst/>
+                <a:latin typeface="JetBrains Mono"/>
+              </a:rPr>
+              <a:t>;</a:t>
+            </a:r>
+            <a:br>
+              <a:rPr kumimoji="0" lang="es-BO" altLang="es-BO" sz="1200" b="0" i="0" u="none" strike="noStrike" cap="none" normalizeH="0" baseline="0" dirty="0">
+                <a:ln>
+                  <a:noFill/>
+                </a:ln>
+                <a:solidFill>
+                  <a:srgbClr val="CC7832"/>
+                </a:solidFill>
+                <a:effectLst/>
+                <a:latin typeface="JetBrains Mono"/>
+              </a:rPr>
+            </a:br>
+            <a:r>
+              <a:rPr kumimoji="0" lang="es-BO" altLang="es-BO" sz="1200" b="0" i="0" u="none" strike="noStrike" cap="none" normalizeH="0" baseline="0" dirty="0" err="1">
+                <a:ln>
+                  <a:noFill/>
+                </a:ln>
+                <a:solidFill>
+                  <a:srgbClr val="CC7832"/>
+                </a:solidFill>
+                <a:effectLst/>
+                <a:latin typeface="JetBrains Mono"/>
+              </a:rPr>
+              <a:t>if</a:t>
+            </a:r>
+            <a:r>
+              <a:rPr kumimoji="0" lang="es-BO" altLang="es-BO" sz="1200" b="0" i="0" u="none" strike="noStrike" cap="none" normalizeH="0" baseline="0" dirty="0">
+                <a:ln>
+                  <a:noFill/>
+                </a:ln>
+                <a:solidFill>
+                  <a:srgbClr val="CC7832"/>
+                </a:solidFill>
+                <a:effectLst/>
+                <a:latin typeface="JetBrains Mono"/>
+              </a:rPr>
+              <a:t> </a:t>
+            </a:r>
+            <a:r>
+              <a:rPr kumimoji="0" lang="es-BO" altLang="es-BO" sz="1200" b="0" i="0" u="none" strike="noStrike" cap="none" normalizeH="0" baseline="0" dirty="0" err="1">
+                <a:ln>
+                  <a:noFill/>
+                </a:ln>
+                <a:solidFill>
+                  <a:srgbClr val="A9B7C6"/>
+                </a:solidFill>
+                <a:effectLst/>
+                <a:latin typeface="JetBrains Mono"/>
+              </a:rPr>
+              <a:t>parametro</a:t>
+            </a:r>
+            <a:r>
+              <a:rPr kumimoji="0" lang="es-BO" altLang="es-BO" sz="1200" b="0" i="0" u="none" strike="noStrike" cap="none" normalizeH="0" baseline="0" dirty="0">
+                <a:ln>
+                  <a:noFill/>
+                </a:ln>
+                <a:solidFill>
+                  <a:srgbClr val="A9B7C6"/>
+                </a:solidFill>
+                <a:effectLst/>
+                <a:latin typeface="JetBrains Mono"/>
+              </a:rPr>
+              <a:t> &gt;= </a:t>
+            </a:r>
+            <a:r>
+              <a:rPr kumimoji="0" lang="es-BO" altLang="es-BO" sz="1200" b="0" i="0" u="none" strike="noStrike" cap="none" normalizeH="0" baseline="0" dirty="0">
+                <a:ln>
+                  <a:noFill/>
+                </a:ln>
+                <a:solidFill>
+                  <a:srgbClr val="6897BB"/>
+                </a:solidFill>
+                <a:effectLst/>
+                <a:latin typeface="JetBrains Mono"/>
+              </a:rPr>
+              <a:t>10000 </a:t>
+            </a:r>
+            <a:r>
+              <a:rPr kumimoji="0" lang="es-BO" altLang="es-BO" sz="1200" b="0" i="0" u="none" strike="noStrike" cap="none" normalizeH="0" baseline="0" dirty="0">
+                <a:ln>
+                  <a:noFill/>
+                </a:ln>
+                <a:solidFill>
+                  <a:srgbClr val="CC7832"/>
+                </a:solidFill>
+                <a:effectLst/>
+                <a:latin typeface="JetBrains Mono"/>
+              </a:rPr>
+              <a:t>and </a:t>
+            </a:r>
+            <a:r>
+              <a:rPr kumimoji="0" lang="es-BO" altLang="es-BO" sz="1200" b="0" i="0" u="none" strike="noStrike" cap="none" normalizeH="0" baseline="0" dirty="0" err="1">
+                <a:ln>
+                  <a:noFill/>
+                </a:ln>
+                <a:solidFill>
+                  <a:srgbClr val="A9B7C6"/>
+                </a:solidFill>
+                <a:effectLst/>
+                <a:latin typeface="JetBrains Mono"/>
+              </a:rPr>
+              <a:t>parametro</a:t>
+            </a:r>
+            <a:r>
+              <a:rPr kumimoji="0" lang="es-BO" altLang="es-BO" sz="1200" b="0" i="0" u="none" strike="noStrike" cap="none" normalizeH="0" baseline="0" dirty="0">
+                <a:ln>
+                  <a:noFill/>
+                </a:ln>
+                <a:solidFill>
+                  <a:srgbClr val="A9B7C6"/>
+                </a:solidFill>
+                <a:effectLst/>
+                <a:latin typeface="JetBrains Mono"/>
+              </a:rPr>
+              <a:t> &lt;= </a:t>
+            </a:r>
+            <a:r>
+              <a:rPr kumimoji="0" lang="es-BO" altLang="es-BO" sz="1200" b="0" i="0" u="none" strike="noStrike" cap="none" normalizeH="0" baseline="0" dirty="0">
+                <a:ln>
+                  <a:noFill/>
+                </a:ln>
+                <a:solidFill>
+                  <a:srgbClr val="6897BB"/>
+                </a:solidFill>
+                <a:effectLst/>
+                <a:latin typeface="JetBrains Mono"/>
+              </a:rPr>
+              <a:t>50000</a:t>
+            </a:r>
+            <a:br>
+              <a:rPr kumimoji="0" lang="es-BO" altLang="es-BO" sz="1200" b="0" i="0" u="none" strike="noStrike" cap="none" normalizeH="0" baseline="0" dirty="0">
+                <a:ln>
+                  <a:noFill/>
+                </a:ln>
+                <a:solidFill>
+                  <a:srgbClr val="6897BB"/>
+                </a:solidFill>
+                <a:effectLst/>
+                <a:latin typeface="JetBrains Mono"/>
+              </a:rPr>
+            </a:br>
+            <a:r>
+              <a:rPr kumimoji="0" lang="es-BO" altLang="es-BO" sz="1200" b="0" i="0" u="none" strike="noStrike" cap="none" normalizeH="0" baseline="0" dirty="0" err="1">
+                <a:ln>
+                  <a:noFill/>
+                </a:ln>
+                <a:solidFill>
+                  <a:srgbClr val="CC7832"/>
+                </a:solidFill>
+                <a:effectLst/>
+                <a:latin typeface="JetBrains Mono"/>
+              </a:rPr>
+              <a:t>then</a:t>
+            </a:r>
+            <a:br>
+              <a:rPr kumimoji="0" lang="es-BO" altLang="es-BO" sz="1200" b="0" i="0" u="none" strike="noStrike" cap="none" normalizeH="0" baseline="0" dirty="0">
+                <a:ln>
+                  <a:noFill/>
+                </a:ln>
+                <a:solidFill>
+                  <a:srgbClr val="CC7832"/>
+                </a:solidFill>
+                <a:effectLst/>
+                <a:latin typeface="JetBrains Mono"/>
+              </a:rPr>
+            </a:br>
+            <a:r>
+              <a:rPr kumimoji="0" lang="es-BO" altLang="es-BO" sz="1200" b="0" i="0" u="none" strike="noStrike" cap="none" normalizeH="0" baseline="0" dirty="0" err="1">
+                <a:ln>
+                  <a:noFill/>
+                </a:ln>
+                <a:solidFill>
+                  <a:srgbClr val="CC7832"/>
+                </a:solidFill>
+                <a:effectLst/>
+                <a:latin typeface="JetBrains Mono"/>
+              </a:rPr>
+              <a:t>return</a:t>
+            </a:r>
+            <a:r>
+              <a:rPr kumimoji="0" lang="es-BO" altLang="es-BO" sz="1200" b="0" i="0" u="none" strike="noStrike" cap="none" normalizeH="0" baseline="0" dirty="0">
+                <a:ln>
+                  <a:noFill/>
+                </a:ln>
+                <a:solidFill>
+                  <a:srgbClr val="CC7832"/>
+                </a:solidFill>
+                <a:effectLst/>
+                <a:latin typeface="JetBrains Mono"/>
+              </a:rPr>
+              <a:t> </a:t>
+            </a:r>
+            <a:r>
+              <a:rPr kumimoji="0" lang="es-BO" altLang="es-BO" sz="1200" b="0" i="0" u="none" strike="noStrike" cap="none" normalizeH="0" baseline="0" dirty="0">
+                <a:ln>
+                  <a:noFill/>
+                </a:ln>
+                <a:solidFill>
+                  <a:srgbClr val="6A8759"/>
+                </a:solidFill>
+                <a:effectLst/>
+                <a:latin typeface="JetBrains Mono"/>
+              </a:rPr>
+              <a:t>'GOLD'</a:t>
+            </a:r>
+            <a:r>
+              <a:rPr kumimoji="0" lang="es-BO" altLang="es-BO" sz="1200" b="0" i="0" u="none" strike="noStrike" cap="none" normalizeH="0" baseline="0" dirty="0">
+                <a:ln>
+                  <a:noFill/>
+                </a:ln>
+                <a:solidFill>
+                  <a:srgbClr val="CC7832"/>
+                </a:solidFill>
+                <a:effectLst/>
+                <a:latin typeface="JetBrains Mono"/>
+              </a:rPr>
+              <a:t>;</a:t>
+            </a:r>
+            <a:br>
+              <a:rPr kumimoji="0" lang="es-BO" altLang="es-BO" sz="1200" b="0" i="0" u="none" strike="noStrike" cap="none" normalizeH="0" baseline="0" dirty="0">
+                <a:ln>
+                  <a:noFill/>
+                </a:ln>
+                <a:solidFill>
+                  <a:srgbClr val="CC7832"/>
+                </a:solidFill>
+                <a:effectLst/>
+                <a:latin typeface="JetBrains Mono"/>
+              </a:rPr>
+            </a:br>
+            <a:r>
+              <a:rPr kumimoji="0" lang="es-BO" altLang="es-BO" sz="1200" b="0" i="0" u="none" strike="noStrike" cap="none" normalizeH="0" baseline="0" dirty="0" err="1">
+                <a:ln>
+                  <a:noFill/>
+                </a:ln>
+                <a:solidFill>
+                  <a:srgbClr val="CC7832"/>
+                </a:solidFill>
+                <a:effectLst/>
+                <a:latin typeface="JetBrains Mono"/>
+              </a:rPr>
+              <a:t>end</a:t>
+            </a:r>
+            <a:r>
+              <a:rPr kumimoji="0" lang="es-BO" altLang="es-BO" sz="1200" b="0" i="0" u="none" strike="noStrike" cap="none" normalizeH="0" baseline="0" dirty="0">
+                <a:ln>
+                  <a:noFill/>
+                </a:ln>
+                <a:solidFill>
+                  <a:srgbClr val="CC7832"/>
+                </a:solidFill>
+                <a:effectLst/>
+                <a:latin typeface="JetBrains Mono"/>
+              </a:rPr>
+              <a:t> </a:t>
+            </a:r>
+            <a:r>
+              <a:rPr kumimoji="0" lang="es-BO" altLang="es-BO" sz="1200" b="0" i="0" u="none" strike="noStrike" cap="none" normalizeH="0" baseline="0" dirty="0" err="1">
+                <a:ln>
+                  <a:noFill/>
+                </a:ln>
+                <a:solidFill>
+                  <a:srgbClr val="CC7832"/>
+                </a:solidFill>
+                <a:effectLst/>
+                <a:latin typeface="JetBrains Mono"/>
+              </a:rPr>
+              <a:t>if</a:t>
+            </a:r>
+            <a:r>
+              <a:rPr kumimoji="0" lang="es-BO" altLang="es-BO" sz="1200" b="0" i="0" u="none" strike="noStrike" cap="none" normalizeH="0" baseline="0" dirty="0">
+                <a:ln>
+                  <a:noFill/>
+                </a:ln>
+                <a:solidFill>
+                  <a:srgbClr val="CC7832"/>
+                </a:solidFill>
+                <a:effectLst/>
+                <a:latin typeface="JetBrains Mono"/>
+              </a:rPr>
+              <a:t>;</a:t>
+            </a:r>
+            <a:br>
+              <a:rPr kumimoji="0" lang="es-BO" altLang="es-BO" sz="1200" b="0" i="0" u="none" strike="noStrike" cap="none" normalizeH="0" baseline="0" dirty="0">
+                <a:ln>
+                  <a:noFill/>
+                </a:ln>
+                <a:solidFill>
+                  <a:srgbClr val="CC7832"/>
+                </a:solidFill>
+                <a:effectLst/>
+                <a:latin typeface="JetBrains Mono"/>
+              </a:rPr>
+            </a:br>
+            <a:r>
+              <a:rPr kumimoji="0" lang="es-BO" altLang="es-BO" sz="1200" b="0" i="0" u="none" strike="noStrike" cap="none" normalizeH="0" baseline="0" dirty="0" err="1">
+                <a:ln>
+                  <a:noFill/>
+                </a:ln>
+                <a:solidFill>
+                  <a:srgbClr val="CC7832"/>
+                </a:solidFill>
+                <a:effectLst/>
+                <a:latin typeface="JetBrains Mono"/>
+              </a:rPr>
+              <a:t>if</a:t>
+            </a:r>
+            <a:r>
+              <a:rPr kumimoji="0" lang="es-BO" altLang="es-BO" sz="1200" b="0" i="0" u="none" strike="noStrike" cap="none" normalizeH="0" baseline="0" dirty="0">
+                <a:ln>
+                  <a:noFill/>
+                </a:ln>
+                <a:solidFill>
+                  <a:srgbClr val="CC7832"/>
+                </a:solidFill>
+                <a:effectLst/>
+                <a:latin typeface="JetBrains Mono"/>
+              </a:rPr>
+              <a:t> </a:t>
+            </a:r>
+            <a:r>
+              <a:rPr kumimoji="0" lang="es-BO" altLang="es-BO" sz="1200" b="0" i="0" u="none" strike="noStrike" cap="none" normalizeH="0" baseline="0" dirty="0" err="1">
+                <a:ln>
+                  <a:noFill/>
+                </a:ln>
+                <a:solidFill>
+                  <a:srgbClr val="A9B7C6"/>
+                </a:solidFill>
+                <a:effectLst/>
+                <a:latin typeface="JetBrains Mono"/>
+              </a:rPr>
+              <a:t>parametro</a:t>
+            </a:r>
+            <a:r>
+              <a:rPr kumimoji="0" lang="es-BO" altLang="es-BO" sz="1200" b="0" i="0" u="none" strike="noStrike" cap="none" normalizeH="0" baseline="0" dirty="0">
+                <a:ln>
+                  <a:noFill/>
+                </a:ln>
+                <a:solidFill>
+                  <a:srgbClr val="A9B7C6"/>
+                </a:solidFill>
+                <a:effectLst/>
+                <a:latin typeface="JetBrains Mono"/>
+              </a:rPr>
+              <a:t> &lt; </a:t>
+            </a:r>
+            <a:r>
+              <a:rPr kumimoji="0" lang="es-BO" altLang="es-BO" sz="1200" b="0" i="0" u="none" strike="noStrike" cap="none" normalizeH="0" baseline="0" dirty="0">
+                <a:ln>
+                  <a:noFill/>
+                </a:ln>
+                <a:solidFill>
+                  <a:srgbClr val="6897BB"/>
+                </a:solidFill>
+                <a:effectLst/>
+                <a:latin typeface="JetBrains Mono"/>
+              </a:rPr>
+              <a:t>10000</a:t>
+            </a:r>
+            <a:br>
+              <a:rPr kumimoji="0" lang="es-BO" altLang="es-BO" sz="1200" b="0" i="0" u="none" strike="noStrike" cap="none" normalizeH="0" baseline="0" dirty="0">
+                <a:ln>
+                  <a:noFill/>
+                </a:ln>
+                <a:solidFill>
+                  <a:srgbClr val="6897BB"/>
+                </a:solidFill>
+                <a:effectLst/>
+                <a:latin typeface="JetBrains Mono"/>
+              </a:rPr>
+            </a:br>
+            <a:r>
+              <a:rPr kumimoji="0" lang="es-BO" altLang="es-BO" sz="1200" b="0" i="0" u="none" strike="noStrike" cap="none" normalizeH="0" baseline="0" dirty="0" err="1">
+                <a:ln>
+                  <a:noFill/>
+                </a:ln>
+                <a:solidFill>
+                  <a:srgbClr val="CC7832"/>
+                </a:solidFill>
+                <a:effectLst/>
+                <a:latin typeface="JetBrains Mono"/>
+              </a:rPr>
+              <a:t>then</a:t>
+            </a:r>
+            <a:br>
+              <a:rPr kumimoji="0" lang="es-BO" altLang="es-BO" sz="1200" b="0" i="0" u="none" strike="noStrike" cap="none" normalizeH="0" baseline="0" dirty="0">
+                <a:ln>
+                  <a:noFill/>
+                </a:ln>
+                <a:solidFill>
+                  <a:srgbClr val="CC7832"/>
+                </a:solidFill>
+                <a:effectLst/>
+                <a:latin typeface="JetBrains Mono"/>
+              </a:rPr>
+            </a:br>
+            <a:r>
+              <a:rPr kumimoji="0" lang="es-BO" altLang="es-BO" sz="1200" b="0" i="0" u="none" strike="noStrike" cap="none" normalizeH="0" baseline="0" dirty="0" err="1">
+                <a:ln>
+                  <a:noFill/>
+                </a:ln>
+                <a:solidFill>
+                  <a:srgbClr val="CC7832"/>
+                </a:solidFill>
+                <a:effectLst/>
+                <a:latin typeface="JetBrains Mono"/>
+              </a:rPr>
+              <a:t>return</a:t>
+            </a:r>
+            <a:r>
+              <a:rPr kumimoji="0" lang="es-BO" altLang="es-BO" sz="1200" b="0" i="0" u="none" strike="noStrike" cap="none" normalizeH="0" baseline="0" dirty="0">
+                <a:ln>
+                  <a:noFill/>
+                </a:ln>
+                <a:solidFill>
+                  <a:srgbClr val="CC7832"/>
+                </a:solidFill>
+                <a:effectLst/>
+                <a:latin typeface="JetBrains Mono"/>
+              </a:rPr>
+              <a:t> </a:t>
+            </a:r>
+            <a:r>
+              <a:rPr kumimoji="0" lang="es-BO" altLang="es-BO" sz="1200" b="0" i="0" u="none" strike="noStrike" cap="none" normalizeH="0" baseline="0" dirty="0">
+                <a:ln>
+                  <a:noFill/>
+                </a:ln>
+                <a:solidFill>
+                  <a:srgbClr val="6A8759"/>
+                </a:solidFill>
+                <a:effectLst/>
+                <a:latin typeface="JetBrains Mono"/>
+              </a:rPr>
+              <a:t>'SILVER'</a:t>
+            </a:r>
+            <a:r>
+              <a:rPr kumimoji="0" lang="es-BO" altLang="es-BO" sz="1200" b="0" i="0" u="none" strike="noStrike" cap="none" normalizeH="0" baseline="0" dirty="0">
+                <a:ln>
+                  <a:noFill/>
+                </a:ln>
+                <a:solidFill>
+                  <a:srgbClr val="CC7832"/>
+                </a:solidFill>
+                <a:effectLst/>
+                <a:latin typeface="JetBrains Mono"/>
+              </a:rPr>
+              <a:t>;</a:t>
+            </a:r>
+            <a:br>
+              <a:rPr kumimoji="0" lang="es-BO" altLang="es-BO" sz="1200" b="0" i="0" u="none" strike="noStrike" cap="none" normalizeH="0" baseline="0" dirty="0">
+                <a:ln>
+                  <a:noFill/>
+                </a:ln>
+                <a:solidFill>
+                  <a:srgbClr val="CC7832"/>
+                </a:solidFill>
+                <a:effectLst/>
+                <a:latin typeface="JetBrains Mono"/>
+              </a:rPr>
+            </a:br>
+            <a:r>
+              <a:rPr kumimoji="0" lang="es-BO" altLang="es-BO" sz="1200" b="0" i="0" u="none" strike="noStrike" cap="none" normalizeH="0" baseline="0" dirty="0" err="1">
+                <a:ln>
+                  <a:noFill/>
+                </a:ln>
+                <a:solidFill>
+                  <a:srgbClr val="CC7832"/>
+                </a:solidFill>
+                <a:effectLst/>
+                <a:latin typeface="JetBrains Mono"/>
+              </a:rPr>
+              <a:t>end</a:t>
+            </a:r>
+            <a:r>
+              <a:rPr kumimoji="0" lang="es-BO" altLang="es-BO" sz="1200" b="0" i="0" u="none" strike="noStrike" cap="none" normalizeH="0" baseline="0" dirty="0">
+                <a:ln>
+                  <a:noFill/>
+                </a:ln>
+                <a:solidFill>
+                  <a:srgbClr val="CC7832"/>
+                </a:solidFill>
+                <a:effectLst/>
+                <a:latin typeface="JetBrains Mono"/>
+              </a:rPr>
+              <a:t> </a:t>
+            </a:r>
+            <a:r>
+              <a:rPr kumimoji="0" lang="es-BO" altLang="es-BO" sz="1200" b="0" i="0" u="none" strike="noStrike" cap="none" normalizeH="0" baseline="0" dirty="0" err="1">
+                <a:ln>
+                  <a:noFill/>
+                </a:ln>
+                <a:solidFill>
+                  <a:srgbClr val="CC7832"/>
+                </a:solidFill>
+                <a:effectLst/>
+                <a:latin typeface="JetBrains Mono"/>
+              </a:rPr>
+              <a:t>if</a:t>
+            </a:r>
+            <a:r>
+              <a:rPr kumimoji="0" lang="es-BO" altLang="es-BO" sz="1200" b="0" i="0" u="none" strike="noStrike" cap="none" normalizeH="0" baseline="0" dirty="0">
+                <a:ln>
+                  <a:noFill/>
+                </a:ln>
+                <a:solidFill>
+                  <a:srgbClr val="CC7832"/>
+                </a:solidFill>
+                <a:effectLst/>
+                <a:latin typeface="JetBrains Mono"/>
+              </a:rPr>
+              <a:t>;</a:t>
+            </a:r>
+            <a:br>
+              <a:rPr kumimoji="0" lang="es-BO" altLang="es-BO" sz="1200" b="0" i="0" u="none" strike="noStrike" cap="none" normalizeH="0" baseline="0" dirty="0">
+                <a:ln>
+                  <a:noFill/>
+                </a:ln>
+                <a:solidFill>
+                  <a:srgbClr val="CC7832"/>
+                </a:solidFill>
+                <a:effectLst/>
+                <a:latin typeface="JetBrains Mono"/>
+              </a:rPr>
+            </a:br>
+            <a:r>
+              <a:rPr kumimoji="0" lang="es-BO" altLang="es-BO" sz="1200" b="0" i="0" u="none" strike="noStrike" cap="none" normalizeH="0" baseline="0" dirty="0" err="1">
+                <a:ln>
+                  <a:noFill/>
+                </a:ln>
+                <a:solidFill>
+                  <a:srgbClr val="CC7832"/>
+                </a:solidFill>
+                <a:effectLst/>
+                <a:latin typeface="JetBrains Mono"/>
+              </a:rPr>
+              <a:t>end</a:t>
+            </a:r>
+            <a:r>
+              <a:rPr kumimoji="0" lang="es-BO" altLang="es-BO" sz="1200" b="0" i="0" u="none" strike="noStrike" cap="none" normalizeH="0" baseline="0" dirty="0">
+                <a:ln>
+                  <a:noFill/>
+                </a:ln>
+                <a:solidFill>
+                  <a:srgbClr val="CC7832"/>
+                </a:solidFill>
+                <a:effectLst/>
+                <a:latin typeface="JetBrains Mono"/>
+              </a:rPr>
+              <a:t>;</a:t>
+            </a:r>
+            <a:br>
+              <a:rPr kumimoji="0" lang="es-BO" altLang="es-BO" sz="1200" b="0" i="0" u="none" strike="noStrike" cap="none" normalizeH="0" baseline="0" dirty="0">
+                <a:ln>
+                  <a:noFill/>
+                </a:ln>
+                <a:solidFill>
+                  <a:srgbClr val="CC7832"/>
+                </a:solidFill>
+                <a:effectLst/>
+                <a:latin typeface="JetBrains Mono"/>
+              </a:rPr>
+            </a:br>
+            <a:br>
+              <a:rPr kumimoji="0" lang="es-BO" altLang="es-BO" sz="1200" b="0" i="0" u="none" strike="noStrike" cap="none" normalizeH="0" baseline="0" dirty="0">
+                <a:ln>
+                  <a:noFill/>
+                </a:ln>
+                <a:solidFill>
+                  <a:srgbClr val="CC7832"/>
+                </a:solidFill>
+                <a:effectLst/>
+                <a:latin typeface="JetBrains Mono"/>
+              </a:rPr>
+            </a:br>
+            <a:r>
+              <a:rPr kumimoji="0" lang="es-BO" altLang="es-BO" sz="1200" b="0" i="0" u="none" strike="noStrike" cap="none" normalizeH="0" baseline="0" dirty="0" err="1">
+                <a:ln>
+                  <a:noFill/>
+                </a:ln>
+                <a:solidFill>
+                  <a:srgbClr val="CC7832"/>
+                </a:solidFill>
+                <a:effectLst/>
+                <a:latin typeface="JetBrains Mono"/>
+              </a:rPr>
+              <a:t>select</a:t>
+            </a:r>
+            <a:r>
+              <a:rPr kumimoji="0" lang="es-BO" altLang="es-BO" sz="1200" b="0" i="0" u="none" strike="noStrike" cap="none" normalizeH="0" baseline="0" dirty="0">
+                <a:ln>
+                  <a:noFill/>
+                </a:ln>
+                <a:solidFill>
+                  <a:srgbClr val="CC7832"/>
+                </a:solidFill>
+                <a:effectLst/>
+                <a:latin typeface="JetBrains Mono"/>
+              </a:rPr>
+              <a:t> </a:t>
+            </a:r>
+            <a:r>
+              <a:rPr kumimoji="0" lang="es-BO" altLang="es-BO" sz="1200" b="0" i="0" u="none" strike="noStrike" cap="none" normalizeH="0" baseline="0" dirty="0" err="1">
+                <a:ln>
+                  <a:noFill/>
+                </a:ln>
+                <a:solidFill>
+                  <a:srgbClr val="A9B7C6"/>
+                </a:solidFill>
+                <a:effectLst/>
+                <a:latin typeface="JetBrains Mono"/>
+              </a:rPr>
+              <a:t>paramint</a:t>
+            </a:r>
+            <a:r>
+              <a:rPr kumimoji="0" lang="es-BO" altLang="es-BO" sz="1200" b="0" i="0" u="none" strike="noStrike" cap="none" normalizeH="0" baseline="0" dirty="0">
+                <a:ln>
+                  <a:noFill/>
+                </a:ln>
+                <a:solidFill>
+                  <a:srgbClr val="A9B7C6"/>
+                </a:solidFill>
+                <a:effectLst/>
+                <a:latin typeface="JetBrains Mono"/>
+              </a:rPr>
+              <a:t>(</a:t>
+            </a:r>
+            <a:r>
+              <a:rPr kumimoji="0" lang="es-BO" altLang="es-BO" sz="1200" b="0" i="0" u="none" strike="noStrike" cap="none" normalizeH="0" baseline="0" dirty="0">
+                <a:ln>
+                  <a:noFill/>
+                </a:ln>
+                <a:solidFill>
+                  <a:srgbClr val="6897BB"/>
+                </a:solidFill>
+                <a:effectLst/>
+                <a:latin typeface="JetBrains Mono"/>
+              </a:rPr>
+              <a:t>50008</a:t>
+            </a:r>
+            <a:r>
+              <a:rPr kumimoji="0" lang="es-BO" altLang="es-BO" sz="1200" b="0" i="0" u="none" strike="noStrike" cap="none" normalizeH="0" baseline="0" dirty="0">
+                <a:ln>
+                  <a:noFill/>
+                </a:ln>
+                <a:solidFill>
+                  <a:srgbClr val="A9B7C6"/>
+                </a:solidFill>
+                <a:effectLst/>
+                <a:latin typeface="JetBrains Mono"/>
+              </a:rPr>
+              <a:t>)</a:t>
+            </a:r>
+            <a:r>
+              <a:rPr kumimoji="0" lang="es-BO" altLang="es-BO" sz="1200" b="0" i="0" u="none" strike="noStrike" cap="none" normalizeH="0" baseline="0" dirty="0">
+                <a:ln>
+                  <a:noFill/>
+                </a:ln>
+                <a:solidFill>
+                  <a:srgbClr val="CC7832"/>
+                </a:solidFill>
+                <a:effectLst/>
+                <a:latin typeface="JetBrains Mono"/>
+              </a:rPr>
+              <a:t>;</a:t>
+            </a:r>
+            <a:endParaRPr kumimoji="0" lang="es-BO" altLang="es-BO" sz="2800" b="0" i="0" u="none" strike="noStrike" cap="none" normalizeH="0" baseline="0" dirty="0">
+              <a:ln>
+                <a:noFill/>
+              </a:ln>
+              <a:solidFill>
+                <a:schemeClr val="tx1"/>
+              </a:solidFill>
+              <a:effectLst/>
+              <a:latin typeface="Arial" panose="020B0604020202020204" pitchFamily="34" charset="0"/>
+            </a:endParaRPr>
+          </a:p>
+        </p:txBody>
+      </p:sp>
+    </p:spTree>
+    <p:extLst>
+      <p:ext uri="{BB962C8B-B14F-4D97-AF65-F5344CB8AC3E}">
+        <p14:creationId xmlns:p14="http://schemas.microsoft.com/office/powerpoint/2010/main" val="1963952586"/>
+      </p:ext>
+    </p:extLst>
+  </p:cSld>
+  <p:clrMapOvr>
+    <a:masterClrMapping/>
+  </p:clrMapOvr>
+</p:sld>
+</file>
+
 <file path=ppt/slides/slide2.xml><?xml version="1.0" encoding="utf-8"?>
 <p:sld xmlns:a="http://schemas.openxmlformats.org/drawingml/2006/main" xmlns:r="http://schemas.openxmlformats.org/officeDocument/2006/relationships" xmlns:p="http://schemas.openxmlformats.org/presentationml/2006/main">
   <p:cSld>
